--- a/Презентация Тимаев А.С.pptx
+++ b/Презентация Тимаев А.С.pptx
@@ -5,7 +5,7 @@
     <p:sldMasterId id="2147483648" r:id="rId1"/>
   </p:sldMasterIdLst>
   <p:notesMasterIdLst>
-    <p:notesMasterId r:id="rId15"/>
+    <p:notesMasterId r:id="rId18"/>
   </p:notesMasterIdLst>
   <p:sldIdLst>
     <p:sldId id="256" r:id="rId2"/>
@@ -16,35 +16,38 @@
     <p:sldId id="269" r:id="rId7"/>
     <p:sldId id="262" r:id="rId8"/>
     <p:sldId id="268" r:id="rId9"/>
-    <p:sldId id="270" r:id="rId10"/>
-    <p:sldId id="264" r:id="rId11"/>
-    <p:sldId id="265" r:id="rId12"/>
-    <p:sldId id="266" r:id="rId13"/>
-    <p:sldId id="267" r:id="rId14"/>
+    <p:sldId id="271" r:id="rId10"/>
+    <p:sldId id="272" r:id="rId11"/>
+    <p:sldId id="273" r:id="rId12"/>
+    <p:sldId id="264" r:id="rId13"/>
+    <p:sldId id="265" r:id="rId14"/>
+    <p:sldId id="270" r:id="rId15"/>
+    <p:sldId id="266" r:id="rId16"/>
+    <p:sldId id="267" r:id="rId17"/>
   </p:sldIdLst>
   <p:sldSz cx="20104100" cy="11309350"/>
   <p:notesSz cx="20104100" cy="11309350"/>
   <p:embeddedFontLst>
     <p:embeddedFont>
       <p:font typeface="Calibri" panose="020F0502020204030204" pitchFamily="34" charset="0"/>
-      <p:regular r:id="rId16"/>
-      <p:bold r:id="rId17"/>
-      <p:italic r:id="rId18"/>
-      <p:boldItalic r:id="rId19"/>
+      <p:regular r:id="rId19"/>
+      <p:bold r:id="rId20"/>
+      <p:italic r:id="rId21"/>
+      <p:boldItalic r:id="rId22"/>
     </p:embeddedFont>
     <p:embeddedFont>
       <p:font typeface="IBM Plex Mono" panose="020B0509050203000203" pitchFamily="49" charset="-52"/>
-      <p:regular r:id="rId20"/>
-      <p:bold r:id="rId21"/>
-      <p:italic r:id="rId22"/>
-      <p:boldItalic r:id="rId23"/>
+      <p:regular r:id="rId23"/>
+      <p:bold r:id="rId24"/>
+      <p:italic r:id="rId25"/>
+      <p:boldItalic r:id="rId26"/>
     </p:embeddedFont>
     <p:embeddedFont>
       <p:font typeface="IBM Plex Sans" panose="020B0503050203000203" pitchFamily="34" charset="0"/>
-      <p:regular r:id="rId24"/>
-      <p:bold r:id="rId25"/>
-      <p:italic r:id="rId26"/>
-      <p:boldItalic r:id="rId27"/>
+      <p:regular r:id="rId27"/>
+      <p:bold r:id="rId28"/>
+      <p:italic r:id="rId29"/>
+      <p:boldItalic r:id="rId30"/>
     </p:embeddedFont>
   </p:embeddedFontLst>
   <p:defaultTextStyle>
@@ -1600,6 +1603,224 @@
   <p:cSld>
     <p:spTree>
       <p:nvGrpSpPr>
+        <p:cNvPr id="1" name="Shape 102"/>
+        <p:cNvGrpSpPr/>
+        <p:nvPr/>
+      </p:nvGrpSpPr>
+      <p:grpSpPr>
+        <a:xfrm>
+          <a:off x="0" y="0"/>
+          <a:ext cx="0" cy="0"/>
+          <a:chOff x="0" y="0"/>
+          <a:chExt cx="0" cy="0"/>
+        </a:xfrm>
+      </p:grpSpPr>
+      <p:sp>
+        <p:nvSpPr>
+          <p:cNvPr id="103" name="Google Shape;103;p6:notes"/>
+          <p:cNvSpPr txBox="1">
+            <a:spLocks noGrp="1"/>
+          </p:cNvSpPr>
+          <p:nvPr>
+            <p:ph type="body" idx="1"/>
+          </p:nvPr>
+        </p:nvSpPr>
+        <p:spPr>
+          <a:xfrm>
+            <a:off x="2009775" y="5441950"/>
+            <a:ext cx="16084550" cy="4454525"/>
+          </a:xfrm>
+          <a:prstGeom prst="rect">
+            <a:avLst/>
+          </a:prstGeom>
+        </p:spPr>
+        <p:txBody>
+          <a:bodyPr spcFirstLastPara="1" wrap="square" lIns="91425" tIns="45700" rIns="91425" bIns="45700" anchor="t" anchorCtr="0">
+            <a:noAutofit/>
+          </a:bodyPr>
+          <a:lstStyle/>
+          <a:p>
+            <a:pPr marL="0" lvl="0" indent="0" algn="l" rtl="0">
+              <a:spcBef>
+                <a:spcPts val="0"/>
+              </a:spcBef>
+              <a:spcAft>
+                <a:spcPts val="0"/>
+              </a:spcAft>
+              <a:buNone/>
+            </a:pPr>
+            <a:endParaRPr/>
+          </a:p>
+        </p:txBody>
+      </p:sp>
+      <p:sp>
+        <p:nvSpPr>
+          <p:cNvPr id="104" name="Google Shape;104;p6:notes"/>
+          <p:cNvSpPr>
+            <a:spLocks noGrp="1" noRot="1" noChangeAspect="1"/>
+          </p:cNvSpPr>
+          <p:nvPr>
+            <p:ph type="sldImg" idx="2"/>
+          </p:nvPr>
+        </p:nvSpPr>
+        <p:spPr>
+          <a:xfrm>
+            <a:off x="6659563" y="1414463"/>
+            <a:ext cx="6784975" cy="3816350"/>
+          </a:xfrm>
+          <a:custGeom>
+            <a:avLst/>
+            <a:gdLst/>
+            <a:ahLst/>
+            <a:cxnLst/>
+            <a:rect l="l" t="t" r="r" b="b"/>
+            <a:pathLst>
+              <a:path w="120000" h="120000" extrusionOk="0">
+                <a:moveTo>
+                  <a:pt x="0" y="0"/>
+                </a:moveTo>
+                <a:lnTo>
+                  <a:pt x="120000" y="0"/>
+                </a:lnTo>
+                <a:lnTo>
+                  <a:pt x="120000" y="120000"/>
+                </a:lnTo>
+                <a:lnTo>
+                  <a:pt x="0" y="120000"/>
+                </a:lnTo>
+                <a:close/>
+              </a:path>
+            </a:pathLst>
+          </a:custGeom>
+        </p:spPr>
+      </p:sp>
+    </p:spTree>
+    <p:extLst>
+      <p:ext uri="{BB962C8B-B14F-4D97-AF65-F5344CB8AC3E}">
+        <p14:creationId xmlns:p14="http://schemas.microsoft.com/office/powerpoint/2010/main" val="558222705"/>
+      </p:ext>
+    </p:extLst>
+  </p:cSld>
+  <p:clrMapOvr>
+    <a:masterClrMapping/>
+  </p:clrMapOvr>
+</p:notes>
+</file>
+
+<file path=ppt/notesSlides/notesSlide11.xml><?xml version="1.0" encoding="utf-8"?>
+<p:notes xmlns:a="http://schemas.openxmlformats.org/drawingml/2006/main" xmlns:r="http://schemas.openxmlformats.org/officeDocument/2006/relationships" xmlns:p="http://schemas.openxmlformats.org/presentationml/2006/main" showMasterSp="0" showMasterPhAnim="0">
+  <p:cSld>
+    <p:spTree>
+      <p:nvGrpSpPr>
+        <p:cNvPr id="1" name="Shape 102"/>
+        <p:cNvGrpSpPr/>
+        <p:nvPr/>
+      </p:nvGrpSpPr>
+      <p:grpSpPr>
+        <a:xfrm>
+          <a:off x="0" y="0"/>
+          <a:ext cx="0" cy="0"/>
+          <a:chOff x="0" y="0"/>
+          <a:chExt cx="0" cy="0"/>
+        </a:xfrm>
+      </p:grpSpPr>
+      <p:sp>
+        <p:nvSpPr>
+          <p:cNvPr id="103" name="Google Shape;103;p6:notes"/>
+          <p:cNvSpPr txBox="1">
+            <a:spLocks noGrp="1"/>
+          </p:cNvSpPr>
+          <p:nvPr>
+            <p:ph type="body" idx="1"/>
+          </p:nvPr>
+        </p:nvSpPr>
+        <p:spPr>
+          <a:xfrm>
+            <a:off x="2009775" y="5441950"/>
+            <a:ext cx="16084550" cy="4454525"/>
+          </a:xfrm>
+          <a:prstGeom prst="rect">
+            <a:avLst/>
+          </a:prstGeom>
+        </p:spPr>
+        <p:txBody>
+          <a:bodyPr spcFirstLastPara="1" wrap="square" lIns="91425" tIns="45700" rIns="91425" bIns="45700" anchor="t" anchorCtr="0">
+            <a:noAutofit/>
+          </a:bodyPr>
+          <a:lstStyle/>
+          <a:p>
+            <a:pPr marL="0" lvl="0" indent="0" algn="l" rtl="0">
+              <a:spcBef>
+                <a:spcPts val="0"/>
+              </a:spcBef>
+              <a:spcAft>
+                <a:spcPts val="0"/>
+              </a:spcAft>
+              <a:buNone/>
+            </a:pPr>
+            <a:endParaRPr/>
+          </a:p>
+        </p:txBody>
+      </p:sp>
+      <p:sp>
+        <p:nvSpPr>
+          <p:cNvPr id="104" name="Google Shape;104;p6:notes"/>
+          <p:cNvSpPr>
+            <a:spLocks noGrp="1" noRot="1" noChangeAspect="1"/>
+          </p:cNvSpPr>
+          <p:nvPr>
+            <p:ph type="sldImg" idx="2"/>
+          </p:nvPr>
+        </p:nvSpPr>
+        <p:spPr>
+          <a:xfrm>
+            <a:off x="6659563" y="1414463"/>
+            <a:ext cx="6784975" cy="3816350"/>
+          </a:xfrm>
+          <a:custGeom>
+            <a:avLst/>
+            <a:gdLst/>
+            <a:ahLst/>
+            <a:cxnLst/>
+            <a:rect l="l" t="t" r="r" b="b"/>
+            <a:pathLst>
+              <a:path w="120000" h="120000" extrusionOk="0">
+                <a:moveTo>
+                  <a:pt x="0" y="0"/>
+                </a:moveTo>
+                <a:lnTo>
+                  <a:pt x="120000" y="0"/>
+                </a:lnTo>
+                <a:lnTo>
+                  <a:pt x="120000" y="120000"/>
+                </a:lnTo>
+                <a:lnTo>
+                  <a:pt x="0" y="120000"/>
+                </a:lnTo>
+                <a:close/>
+              </a:path>
+            </a:pathLst>
+          </a:custGeom>
+        </p:spPr>
+      </p:sp>
+    </p:spTree>
+    <p:extLst>
+      <p:ext uri="{BB962C8B-B14F-4D97-AF65-F5344CB8AC3E}">
+        <p14:creationId xmlns:p14="http://schemas.microsoft.com/office/powerpoint/2010/main" val="3504326271"/>
+      </p:ext>
+    </p:extLst>
+  </p:cSld>
+  <p:clrMapOvr>
+    <a:masterClrMapping/>
+  </p:clrMapOvr>
+</p:notes>
+</file>
+
+<file path=ppt/notesSlides/notesSlide12.xml><?xml version="1.0" encoding="utf-8"?>
+<p:notes xmlns:a="http://schemas.openxmlformats.org/drawingml/2006/main" xmlns:r="http://schemas.openxmlformats.org/officeDocument/2006/relationships" xmlns:p="http://schemas.openxmlformats.org/presentationml/2006/main" showMasterSp="0" showMasterPhAnim="0">
+  <p:cSld>
+    <p:spTree>
+      <p:nvGrpSpPr>
         <p:cNvPr id="1" name="Shape 128"/>
         <p:cNvGrpSpPr/>
         <p:nvPr/>
@@ -1699,7 +1920,7 @@
 </p:notes>
 </file>
 
-<file path=ppt/notesSlides/notesSlide11.xml><?xml version="1.0" encoding="utf-8"?>
+<file path=ppt/notesSlides/notesSlide13.xml><?xml version="1.0" encoding="utf-8"?>
 <p:notes xmlns:a="http://schemas.openxmlformats.org/drawingml/2006/main" xmlns:r="http://schemas.openxmlformats.org/officeDocument/2006/relationships" xmlns:p="http://schemas.openxmlformats.org/presentationml/2006/main" showMasterSp="0" showMasterPhAnim="0">
   <p:cSld>
     <p:spTree>
@@ -1803,7 +2024,116 @@
 </p:notes>
 </file>
 
-<file path=ppt/notesSlides/notesSlide12.xml><?xml version="1.0" encoding="utf-8"?>
+<file path=ppt/notesSlides/notesSlide14.xml><?xml version="1.0" encoding="utf-8"?>
+<p:notes xmlns:a="http://schemas.openxmlformats.org/drawingml/2006/main" xmlns:r="http://schemas.openxmlformats.org/officeDocument/2006/relationships" xmlns:p="http://schemas.openxmlformats.org/presentationml/2006/main" showMasterSp="0" showMasterPhAnim="0">
+  <p:cSld>
+    <p:spTree>
+      <p:nvGrpSpPr>
+        <p:cNvPr id="1" name="Shape 102"/>
+        <p:cNvGrpSpPr/>
+        <p:nvPr/>
+      </p:nvGrpSpPr>
+      <p:grpSpPr>
+        <a:xfrm>
+          <a:off x="0" y="0"/>
+          <a:ext cx="0" cy="0"/>
+          <a:chOff x="0" y="0"/>
+          <a:chExt cx="0" cy="0"/>
+        </a:xfrm>
+      </p:grpSpPr>
+      <p:sp>
+        <p:nvSpPr>
+          <p:cNvPr id="103" name="Google Shape;103;p6:notes"/>
+          <p:cNvSpPr txBox="1">
+            <a:spLocks noGrp="1"/>
+          </p:cNvSpPr>
+          <p:nvPr>
+            <p:ph type="body" idx="1"/>
+          </p:nvPr>
+        </p:nvSpPr>
+        <p:spPr>
+          <a:xfrm>
+            <a:off x="2009775" y="5441950"/>
+            <a:ext cx="16084550" cy="4454525"/>
+          </a:xfrm>
+          <a:prstGeom prst="rect">
+            <a:avLst/>
+          </a:prstGeom>
+        </p:spPr>
+        <p:txBody>
+          <a:bodyPr spcFirstLastPara="1" wrap="square" lIns="91425" tIns="45700" rIns="91425" bIns="45700" anchor="t" anchorCtr="0">
+            <a:noAutofit/>
+          </a:bodyPr>
+          <a:lstStyle/>
+          <a:p>
+            <a:pPr marL="0" lvl="0" indent="0" algn="l" rtl="0">
+              <a:spcBef>
+                <a:spcPts val="0"/>
+              </a:spcBef>
+              <a:spcAft>
+                <a:spcPts val="0"/>
+              </a:spcAft>
+              <a:buNone/>
+            </a:pPr>
+            <a:endParaRPr/>
+          </a:p>
+        </p:txBody>
+      </p:sp>
+      <p:sp>
+        <p:nvSpPr>
+          <p:cNvPr id="104" name="Google Shape;104;p6:notes"/>
+          <p:cNvSpPr>
+            <a:spLocks noGrp="1" noRot="1" noChangeAspect="1"/>
+          </p:cNvSpPr>
+          <p:nvPr>
+            <p:ph type="sldImg" idx="2"/>
+          </p:nvPr>
+        </p:nvSpPr>
+        <p:spPr>
+          <a:xfrm>
+            <a:off x="6659563" y="1414463"/>
+            <a:ext cx="6784975" cy="3816350"/>
+          </a:xfrm>
+          <a:custGeom>
+            <a:avLst/>
+            <a:gdLst/>
+            <a:ahLst/>
+            <a:cxnLst/>
+            <a:rect l="l" t="t" r="r" b="b"/>
+            <a:pathLst>
+              <a:path w="120000" h="120000" extrusionOk="0">
+                <a:moveTo>
+                  <a:pt x="0" y="0"/>
+                </a:moveTo>
+                <a:lnTo>
+                  <a:pt x="120000" y="0"/>
+                </a:lnTo>
+                <a:lnTo>
+                  <a:pt x="120000" y="120000"/>
+                </a:lnTo>
+                <a:lnTo>
+                  <a:pt x="0" y="120000"/>
+                </a:lnTo>
+                <a:close/>
+              </a:path>
+            </a:pathLst>
+          </a:custGeom>
+        </p:spPr>
+      </p:sp>
+    </p:spTree>
+    <p:extLst>
+      <p:ext uri="{BB962C8B-B14F-4D97-AF65-F5344CB8AC3E}">
+        <p14:creationId xmlns:p14="http://schemas.microsoft.com/office/powerpoint/2010/main" val="1987674862"/>
+      </p:ext>
+    </p:extLst>
+  </p:cSld>
+  <p:clrMapOvr>
+    <a:masterClrMapping/>
+  </p:clrMapOvr>
+</p:notes>
+</file>
+
+<file path=ppt/notesSlides/notesSlide15.xml><?xml version="1.0" encoding="utf-8"?>
 <p:notes xmlns:a="http://schemas.openxmlformats.org/drawingml/2006/main" xmlns:r="http://schemas.openxmlformats.org/officeDocument/2006/relationships" xmlns:p="http://schemas.openxmlformats.org/presentationml/2006/main" showMasterSp="0" showMasterPhAnim="0">
   <p:cSld>
     <p:spTree>
@@ -1907,7 +2237,7 @@
 </p:notes>
 </file>
 
-<file path=ppt/notesSlides/notesSlide13.xml><?xml version="1.0" encoding="utf-8"?>
+<file path=ppt/notesSlides/notesSlide16.xml><?xml version="1.0" encoding="utf-8"?>
 <p:notes xmlns:a="http://schemas.openxmlformats.org/drawingml/2006/main" xmlns:r="http://schemas.openxmlformats.org/officeDocument/2006/relationships" xmlns:p="http://schemas.openxmlformats.org/presentationml/2006/main" showMasterSp="0" showMasterPhAnim="0">
   <p:cSld>
     <p:spTree>
@@ -2848,7 +3178,7 @@
     </p:spTree>
     <p:extLst>
       <p:ext uri="{BB962C8B-B14F-4D97-AF65-F5344CB8AC3E}">
-        <p14:creationId xmlns:p14="http://schemas.microsoft.com/office/powerpoint/2010/main" val="1987674862"/>
+        <p14:creationId xmlns:p14="http://schemas.microsoft.com/office/powerpoint/2010/main" val="2758407380"/>
       </p:ext>
     </p:extLst>
   </p:cSld>
@@ -8812,6 +9142,2173 @@
   <p:cSld>
     <p:spTree>
       <p:nvGrpSpPr>
+        <p:cNvPr id="1" name="Shape 105"/>
+        <p:cNvGrpSpPr/>
+        <p:nvPr/>
+      </p:nvGrpSpPr>
+      <p:grpSpPr>
+        <a:xfrm>
+          <a:off x="0" y="0"/>
+          <a:ext cx="0" cy="0"/>
+          <a:chOff x="0" y="0"/>
+          <a:chExt cx="0" cy="0"/>
+        </a:xfrm>
+      </p:grpSpPr>
+      <p:pic>
+        <p:nvPicPr>
+          <p:cNvPr id="106" name="Google Shape;106;p6"/>
+          <p:cNvPicPr preferRelativeResize="0"/>
+          <p:nvPr/>
+        </p:nvPicPr>
+        <p:blipFill rotWithShape="1">
+          <a:blip r:embed="rId3">
+            <a:alphaModFix/>
+          </a:blip>
+          <a:srcRect/>
+          <a:stretch/>
+        </p:blipFill>
+        <p:spPr>
+          <a:xfrm>
+            <a:off x="0" y="2359"/>
+            <a:ext cx="20104100" cy="11304631"/>
+          </a:xfrm>
+          <a:prstGeom prst="rect">
+            <a:avLst/>
+          </a:prstGeom>
+          <a:noFill/>
+          <a:ln>
+            <a:noFill/>
+          </a:ln>
+        </p:spPr>
+      </p:pic>
+      <p:sp>
+        <p:nvSpPr>
+          <p:cNvPr id="107" name="Google Shape;107;p6"/>
+          <p:cNvSpPr txBox="1"/>
+          <p:nvPr/>
+        </p:nvSpPr>
+        <p:spPr>
+          <a:xfrm>
+            <a:off x="1558554" y="1048453"/>
+            <a:ext cx="14624079" cy="697198"/>
+          </a:xfrm>
+          <a:prstGeom prst="rect">
+            <a:avLst/>
+          </a:prstGeom>
+          <a:noFill/>
+          <a:ln>
+            <a:noFill/>
+          </a:ln>
+        </p:spPr>
+        <p:txBody>
+          <a:bodyPr spcFirstLastPara="1" wrap="square" lIns="0" tIns="19875" rIns="0" bIns="0" anchor="t" anchorCtr="0">
+            <a:spAutoFit/>
+          </a:bodyPr>
+          <a:lstStyle/>
+          <a:p>
+            <a:pPr marL="0" marR="8377" lvl="0" indent="0" algn="l" rtl="0">
+              <a:spcBef>
+                <a:spcPts val="0"/>
+              </a:spcBef>
+              <a:spcAft>
+                <a:spcPts val="0"/>
+              </a:spcAft>
+              <a:buNone/>
+            </a:pPr>
+            <a:r>
+              <a:rPr lang="ru-RU" sz="4400" b="1" i="0" u="none" strike="noStrike" cap="none" dirty="0">
+                <a:solidFill>
+                  <a:srgbClr val="15B012"/>
+                </a:solidFill>
+                <a:latin typeface="Times New Roman"/>
+                <a:ea typeface="Times New Roman"/>
+                <a:cs typeface="Times New Roman"/>
+                <a:sym typeface="Times New Roman"/>
+              </a:rPr>
+              <a:t>Модель данных</a:t>
+            </a:r>
+            <a:endParaRPr dirty="0"/>
+          </a:p>
+        </p:txBody>
+      </p:sp>
+      <p:sp>
+        <p:nvSpPr>
+          <p:cNvPr id="108" name="Google Shape;108;p6"/>
+          <p:cNvSpPr txBox="1"/>
+          <p:nvPr/>
+        </p:nvSpPr>
+        <p:spPr>
+          <a:xfrm>
+            <a:off x="1139496" y="2430890"/>
+            <a:ext cx="14538125" cy="906466"/>
+          </a:xfrm>
+          <a:prstGeom prst="rect">
+            <a:avLst/>
+          </a:prstGeom>
+          <a:noFill/>
+          <a:ln>
+            <a:noFill/>
+          </a:ln>
+        </p:spPr>
+        <p:txBody>
+          <a:bodyPr spcFirstLastPara="1" wrap="square" lIns="0" tIns="19875" rIns="0" bIns="0" anchor="t" anchorCtr="0">
+            <a:spAutoFit/>
+          </a:bodyPr>
+          <a:lstStyle/>
+          <a:p>
+            <a:pPr marL="20942" marR="8377" lvl="0" indent="0" algn="l" rtl="0">
+              <a:lnSpc>
+                <a:spcPct val="120000"/>
+              </a:lnSpc>
+              <a:spcBef>
+                <a:spcPts val="0"/>
+              </a:spcBef>
+              <a:spcAft>
+                <a:spcPts val="0"/>
+              </a:spcAft>
+              <a:buNone/>
+            </a:pPr>
+            <a:r>
+              <a:rPr lang="ru-RU" sz="2400" b="0" i="0" u="none" strike="noStrike" cap="none" dirty="0">
+                <a:solidFill>
+                  <a:schemeClr val="dk1"/>
+                </a:solidFill>
+                <a:latin typeface="IBM Plex Mono"/>
+                <a:ea typeface="IBM Plex Mono"/>
+                <a:cs typeface="IBM Plex Mono"/>
+                <a:sym typeface="IBM Plex Mono"/>
+              </a:rPr>
+              <a:t>	</a:t>
+            </a:r>
+            <a:r>
+              <a:rPr lang="ru-RU" sz="2400" i="0" u="none" strike="noStrike" cap="none" dirty="0">
+                <a:solidFill>
+                  <a:schemeClr val="dk1"/>
+                </a:solidFill>
+                <a:latin typeface="Times New Roman"/>
+                <a:ea typeface="Times New Roman"/>
+                <a:cs typeface="Times New Roman"/>
+                <a:sym typeface="Times New Roman"/>
+              </a:rPr>
+              <a:t>Для тренировки и классификации используем библиотеку </a:t>
+            </a:r>
+            <a:r>
+              <a:rPr lang="en-US" sz="2400" i="0" u="none" strike="noStrike" cap="none" dirty="0" err="1">
+                <a:solidFill>
+                  <a:schemeClr val="dk1"/>
+                </a:solidFill>
+                <a:latin typeface="Times New Roman"/>
+                <a:ea typeface="Times New Roman"/>
+                <a:cs typeface="Times New Roman"/>
+                <a:sym typeface="Times New Roman"/>
+              </a:rPr>
+              <a:t>PyTorch</a:t>
+            </a:r>
+            <a:r>
+              <a:rPr lang="en-US" sz="2400" i="0" u="none" strike="noStrike" cap="none" dirty="0">
+                <a:solidFill>
+                  <a:schemeClr val="dk1"/>
+                </a:solidFill>
+                <a:latin typeface="Times New Roman"/>
+                <a:ea typeface="Times New Roman"/>
+                <a:cs typeface="Times New Roman"/>
+                <a:sym typeface="Times New Roman"/>
+              </a:rPr>
+              <a:t> </a:t>
+            </a:r>
+            <a:r>
+              <a:rPr lang="ru-RU" sz="2400" i="0" u="none" strike="noStrike" cap="none" dirty="0">
+                <a:solidFill>
+                  <a:schemeClr val="dk1"/>
+                </a:solidFill>
+                <a:latin typeface="Times New Roman"/>
+                <a:ea typeface="Times New Roman"/>
+                <a:cs typeface="Times New Roman"/>
+                <a:sym typeface="Times New Roman"/>
+              </a:rPr>
+              <a:t>и </a:t>
+            </a:r>
+            <a:r>
+              <a:rPr lang="ru-RU" sz="2400" i="0" u="none" strike="noStrike" cap="none" dirty="0" err="1">
+                <a:solidFill>
+                  <a:schemeClr val="dk1"/>
+                </a:solidFill>
+                <a:latin typeface="Times New Roman"/>
+                <a:ea typeface="Times New Roman"/>
+                <a:cs typeface="Times New Roman"/>
+                <a:sym typeface="Times New Roman"/>
+              </a:rPr>
+              <a:t>предобученную</a:t>
+            </a:r>
+            <a:r>
+              <a:rPr lang="ru-RU" sz="2400" i="0" u="none" strike="noStrike" cap="none" dirty="0">
+                <a:solidFill>
+                  <a:schemeClr val="dk1"/>
+                </a:solidFill>
+                <a:latin typeface="Times New Roman"/>
+                <a:ea typeface="Times New Roman"/>
+                <a:cs typeface="Times New Roman"/>
+                <a:sym typeface="Times New Roman"/>
+              </a:rPr>
+              <a:t> модель </a:t>
+            </a:r>
+            <a:r>
+              <a:rPr lang="en-US" sz="2400" i="0" u="none" strike="noStrike" cap="none" dirty="0">
+                <a:solidFill>
+                  <a:schemeClr val="dk1"/>
+                </a:solidFill>
+                <a:latin typeface="Times New Roman"/>
+                <a:ea typeface="Times New Roman"/>
+                <a:cs typeface="Times New Roman"/>
+                <a:sym typeface="Times New Roman"/>
+              </a:rPr>
+              <a:t>Resnet152.</a:t>
+            </a:r>
+          </a:p>
+          <a:p>
+            <a:pPr marL="20942" marR="8377" lvl="0" indent="0" algn="l" rtl="0">
+              <a:lnSpc>
+                <a:spcPct val="120000"/>
+              </a:lnSpc>
+              <a:spcBef>
+                <a:spcPts val="0"/>
+              </a:spcBef>
+              <a:spcAft>
+                <a:spcPts val="0"/>
+              </a:spcAft>
+              <a:buNone/>
+            </a:pPr>
+            <a:endParaRPr lang="ru-RU" sz="2400" i="0" u="none" strike="noStrike" cap="none" dirty="0">
+              <a:solidFill>
+                <a:schemeClr val="dk1"/>
+              </a:solidFill>
+              <a:latin typeface="Times New Roman"/>
+              <a:ea typeface="Times New Roman"/>
+              <a:cs typeface="Times New Roman"/>
+              <a:sym typeface="Times New Roman"/>
+            </a:endParaRPr>
+          </a:p>
+        </p:txBody>
+      </p:sp>
+      <p:pic>
+        <p:nvPicPr>
+          <p:cNvPr id="109" name="Google Shape;109;p6" descr="Изображение выглядит как черный, темнота&#10;&#10;Автоматически созданное описание"/>
+          <p:cNvPicPr preferRelativeResize="0"/>
+          <p:nvPr/>
+        </p:nvPicPr>
+        <p:blipFill rotWithShape="1">
+          <a:blip r:embed="rId4">
+            <a:alphaModFix/>
+          </a:blip>
+          <a:srcRect/>
+          <a:stretch/>
+        </p:blipFill>
+        <p:spPr>
+          <a:xfrm>
+            <a:off x="16502400" y="1159200"/>
+            <a:ext cx="2556000" cy="598834"/>
+          </a:xfrm>
+          <a:prstGeom prst="rect">
+            <a:avLst/>
+          </a:prstGeom>
+          <a:noFill/>
+          <a:ln>
+            <a:noFill/>
+          </a:ln>
+        </p:spPr>
+      </p:pic>
+      <p:sp>
+        <p:nvSpPr>
+          <p:cNvPr id="110" name="Google Shape;110;p6"/>
+          <p:cNvSpPr/>
+          <p:nvPr/>
+        </p:nvSpPr>
+        <p:spPr>
+          <a:xfrm>
+            <a:off x="679450" y="2225675"/>
+            <a:ext cx="15822950" cy="8305800"/>
+          </a:xfrm>
+          <a:prstGeom prst="roundRect">
+            <a:avLst>
+              <a:gd name="adj" fmla="val 16667"/>
+            </a:avLst>
+          </a:prstGeom>
+          <a:noFill/>
+          <a:ln w="9525" cap="flat" cmpd="sng">
+            <a:solidFill>
+              <a:srgbClr val="91A3B0"/>
+            </a:solidFill>
+            <a:prstDash val="solid"/>
+            <a:round/>
+            <a:headEnd type="none" w="sm" len="sm"/>
+            <a:tailEnd type="none" w="sm" len="sm"/>
+          </a:ln>
+        </p:spPr>
+        <p:txBody>
+          <a:bodyPr spcFirstLastPara="1" wrap="square" lIns="0" tIns="0" rIns="0" bIns="0" anchor="ctr" anchorCtr="0">
+            <a:noAutofit/>
+          </a:bodyPr>
+          <a:lstStyle/>
+          <a:p>
+            <a:pPr marL="0" marR="0" lvl="0" indent="0" algn="l" rtl="0">
+              <a:spcBef>
+                <a:spcPts val="0"/>
+              </a:spcBef>
+              <a:spcAft>
+                <a:spcPts val="0"/>
+              </a:spcAft>
+              <a:buNone/>
+            </a:pPr>
+            <a:endParaRPr sz="1800" b="0" i="0" u="none" strike="noStrike" cap="none">
+              <a:solidFill>
+                <a:schemeClr val="dk1"/>
+              </a:solidFill>
+              <a:latin typeface="Calibri"/>
+              <a:ea typeface="Calibri"/>
+              <a:cs typeface="Calibri"/>
+              <a:sym typeface="Calibri"/>
+            </a:endParaRPr>
+          </a:p>
+        </p:txBody>
+      </p:sp>
+      <p:sp>
+        <p:nvSpPr>
+          <p:cNvPr id="7" name="TextBox 6">
+            <a:extLst>
+              <a:ext uri="{FF2B5EF4-FFF2-40B4-BE49-F238E27FC236}">
+                <a16:creationId xmlns:a16="http://schemas.microsoft.com/office/drawing/2014/main" id="{3CDA1D55-72AE-31D1-3613-A8FE657D7BB3}"/>
+              </a:ext>
+            </a:extLst>
+          </p:cNvPr>
+          <p:cNvSpPr txBox="1"/>
+          <p:nvPr/>
+        </p:nvSpPr>
+        <p:spPr>
+          <a:xfrm>
+            <a:off x="2096101" y="5886510"/>
+            <a:ext cx="12039600" cy="4401205"/>
+          </a:xfrm>
+          <a:prstGeom prst="rect">
+            <a:avLst/>
+          </a:prstGeom>
+          <a:noFill/>
+        </p:spPr>
+        <p:txBody>
+          <a:bodyPr wrap="square">
+            <a:spAutoFit/>
+          </a:bodyPr>
+          <a:lstStyle/>
+          <a:p>
+            <a:r>
+              <a:rPr lang="ru-RU" b="0" dirty="0">
+                <a:solidFill>
+                  <a:srgbClr val="008000"/>
+                </a:solidFill>
+                <a:effectLst/>
+                <a:latin typeface="Courier New" panose="02070309020205020404" pitchFamily="49" charset="0"/>
+              </a:rPr>
+              <a:t># Обучение модели</a:t>
+            </a:r>
+            <a:endParaRPr lang="ru-RU" b="0" dirty="0">
+              <a:solidFill>
+                <a:srgbClr val="000000"/>
+              </a:solidFill>
+              <a:effectLst/>
+              <a:latin typeface="Courier New" panose="02070309020205020404" pitchFamily="49" charset="0"/>
+            </a:endParaRPr>
+          </a:p>
+          <a:p>
+            <a:r>
+              <a:rPr lang="en-US" b="0" dirty="0" err="1">
+                <a:solidFill>
+                  <a:srgbClr val="000000"/>
+                </a:solidFill>
+                <a:effectLst/>
+                <a:latin typeface="Courier New" panose="02070309020205020404" pitchFamily="49" charset="0"/>
+              </a:rPr>
+              <a:t>num_epochs</a:t>
+            </a:r>
+            <a:r>
+              <a:rPr lang="en-US" b="0" dirty="0">
+                <a:solidFill>
+                  <a:srgbClr val="000000"/>
+                </a:solidFill>
+                <a:effectLst/>
+                <a:latin typeface="Courier New" panose="02070309020205020404" pitchFamily="49" charset="0"/>
+              </a:rPr>
+              <a:t> = </a:t>
+            </a:r>
+            <a:r>
+              <a:rPr lang="en-US" b="0" dirty="0">
+                <a:solidFill>
+                  <a:srgbClr val="116644"/>
+                </a:solidFill>
+                <a:effectLst/>
+                <a:latin typeface="Courier New" panose="02070309020205020404" pitchFamily="49" charset="0"/>
+              </a:rPr>
+              <a:t>30</a:t>
+            </a:r>
+            <a:endParaRPr lang="en-US" b="0" dirty="0">
+              <a:solidFill>
+                <a:srgbClr val="000000"/>
+              </a:solidFill>
+              <a:effectLst/>
+              <a:latin typeface="Courier New" panose="02070309020205020404" pitchFamily="49" charset="0"/>
+            </a:endParaRPr>
+          </a:p>
+          <a:p>
+            <a:br>
+              <a:rPr lang="en-US" b="0" dirty="0">
+                <a:solidFill>
+                  <a:srgbClr val="000000"/>
+                </a:solidFill>
+                <a:effectLst/>
+                <a:latin typeface="Courier New" panose="02070309020205020404" pitchFamily="49" charset="0"/>
+              </a:rPr>
+            </a:br>
+            <a:r>
+              <a:rPr lang="en-US" b="0" dirty="0">
+                <a:solidFill>
+                  <a:srgbClr val="AF00DB"/>
+                </a:solidFill>
+                <a:effectLst/>
+                <a:latin typeface="Courier New" panose="02070309020205020404" pitchFamily="49" charset="0"/>
+              </a:rPr>
+              <a:t>for</a:t>
+            </a:r>
+            <a:r>
+              <a:rPr lang="en-US" b="0" dirty="0">
+                <a:solidFill>
+                  <a:srgbClr val="000000"/>
+                </a:solidFill>
+                <a:effectLst/>
+                <a:latin typeface="Courier New" panose="02070309020205020404" pitchFamily="49" charset="0"/>
+              </a:rPr>
+              <a:t> epoch </a:t>
+            </a:r>
+            <a:r>
+              <a:rPr lang="en-US" b="0" dirty="0">
+                <a:solidFill>
+                  <a:srgbClr val="0000FF"/>
+                </a:solidFill>
+                <a:effectLst/>
+                <a:latin typeface="Courier New" panose="02070309020205020404" pitchFamily="49" charset="0"/>
+              </a:rPr>
+              <a:t>in</a:t>
+            </a:r>
+            <a:r>
+              <a:rPr lang="en-US" b="0" dirty="0">
+                <a:solidFill>
+                  <a:srgbClr val="000000"/>
+                </a:solidFill>
+                <a:effectLst/>
+                <a:latin typeface="Courier New" panose="02070309020205020404" pitchFamily="49" charset="0"/>
+              </a:rPr>
+              <a:t> </a:t>
+            </a:r>
+            <a:r>
+              <a:rPr lang="en-US" b="0" dirty="0">
+                <a:solidFill>
+                  <a:srgbClr val="795E26"/>
+                </a:solidFill>
+                <a:effectLst/>
+                <a:latin typeface="Courier New" panose="02070309020205020404" pitchFamily="49" charset="0"/>
+              </a:rPr>
+              <a:t>range</a:t>
+            </a:r>
+            <a:r>
+              <a:rPr lang="en-US" b="0" dirty="0">
+                <a:solidFill>
+                  <a:srgbClr val="000000"/>
+                </a:solidFill>
+                <a:effectLst/>
+                <a:latin typeface="Courier New" panose="02070309020205020404" pitchFamily="49" charset="0"/>
+              </a:rPr>
+              <a:t>(</a:t>
+            </a:r>
+            <a:r>
+              <a:rPr lang="en-US" b="0" dirty="0" err="1">
+                <a:solidFill>
+                  <a:srgbClr val="000000"/>
+                </a:solidFill>
+                <a:effectLst/>
+                <a:latin typeface="Courier New" panose="02070309020205020404" pitchFamily="49" charset="0"/>
+              </a:rPr>
+              <a:t>num_epochs</a:t>
+            </a:r>
+            <a:r>
+              <a:rPr lang="en-US" b="0" dirty="0">
+                <a:solidFill>
+                  <a:srgbClr val="000000"/>
+                </a:solidFill>
+                <a:effectLst/>
+                <a:latin typeface="Courier New" panose="02070309020205020404" pitchFamily="49" charset="0"/>
+              </a:rPr>
+              <a:t>):</a:t>
+            </a:r>
+          </a:p>
+          <a:p>
+            <a:r>
+              <a:rPr lang="ru-RU" b="0" dirty="0">
+                <a:solidFill>
+                  <a:srgbClr val="000000"/>
+                </a:solidFill>
+                <a:effectLst/>
+                <a:latin typeface="Courier New" panose="02070309020205020404" pitchFamily="49" charset="0"/>
+              </a:rPr>
+              <a:t>    </a:t>
+            </a:r>
+            <a:r>
+              <a:rPr lang="en-US" b="0" dirty="0" err="1">
+                <a:solidFill>
+                  <a:srgbClr val="000000"/>
+                </a:solidFill>
+                <a:effectLst/>
+                <a:latin typeface="Courier New" panose="02070309020205020404" pitchFamily="49" charset="0"/>
+              </a:rPr>
+              <a:t>model.train</a:t>
+            </a:r>
+            <a:r>
+              <a:rPr lang="en-US" b="0" dirty="0">
+                <a:solidFill>
+                  <a:srgbClr val="000000"/>
+                </a:solidFill>
+                <a:effectLst/>
+                <a:latin typeface="Courier New" panose="02070309020205020404" pitchFamily="49" charset="0"/>
+              </a:rPr>
+              <a:t>()</a:t>
+            </a:r>
+          </a:p>
+          <a:p>
+            <a:r>
+              <a:rPr lang="en-US" b="0" dirty="0">
+                <a:solidFill>
+                  <a:srgbClr val="000000"/>
+                </a:solidFill>
+                <a:effectLst/>
+                <a:latin typeface="Courier New" panose="02070309020205020404" pitchFamily="49" charset="0"/>
+              </a:rPr>
+              <a:t>    </a:t>
+            </a:r>
+            <a:r>
+              <a:rPr lang="en-US" b="0" dirty="0" err="1">
+                <a:solidFill>
+                  <a:srgbClr val="000000"/>
+                </a:solidFill>
+                <a:effectLst/>
+                <a:latin typeface="Courier New" panose="02070309020205020404" pitchFamily="49" charset="0"/>
+              </a:rPr>
+              <a:t>running_loss</a:t>
+            </a:r>
+            <a:r>
+              <a:rPr lang="en-US" b="0" dirty="0">
+                <a:solidFill>
+                  <a:srgbClr val="000000"/>
+                </a:solidFill>
+                <a:effectLst/>
+                <a:latin typeface="Courier New" panose="02070309020205020404" pitchFamily="49" charset="0"/>
+              </a:rPr>
+              <a:t> = </a:t>
+            </a:r>
+            <a:r>
+              <a:rPr lang="en-US" b="0" dirty="0">
+                <a:solidFill>
+                  <a:srgbClr val="116644"/>
+                </a:solidFill>
+                <a:effectLst/>
+                <a:latin typeface="Courier New" panose="02070309020205020404" pitchFamily="49" charset="0"/>
+              </a:rPr>
+              <a:t>0.0</a:t>
+            </a:r>
+            <a:endParaRPr lang="en-US" b="0" dirty="0">
+              <a:solidFill>
+                <a:srgbClr val="000000"/>
+              </a:solidFill>
+              <a:effectLst/>
+              <a:latin typeface="Courier New" panose="02070309020205020404" pitchFamily="49" charset="0"/>
+            </a:endParaRPr>
+          </a:p>
+          <a:p>
+            <a:br>
+              <a:rPr lang="en-US" b="0" dirty="0">
+                <a:solidFill>
+                  <a:srgbClr val="000000"/>
+                </a:solidFill>
+                <a:effectLst/>
+                <a:latin typeface="Courier New" panose="02070309020205020404" pitchFamily="49" charset="0"/>
+              </a:rPr>
+            </a:br>
+            <a:r>
+              <a:rPr lang="en-US" b="0" dirty="0">
+                <a:solidFill>
+                  <a:srgbClr val="000000"/>
+                </a:solidFill>
+                <a:effectLst/>
+                <a:latin typeface="Courier New" panose="02070309020205020404" pitchFamily="49" charset="0"/>
+              </a:rPr>
+              <a:t>    </a:t>
+            </a:r>
+            <a:r>
+              <a:rPr lang="en-US" b="0" dirty="0">
+                <a:solidFill>
+                  <a:srgbClr val="AF00DB"/>
+                </a:solidFill>
+                <a:effectLst/>
+                <a:latin typeface="Courier New" panose="02070309020205020404" pitchFamily="49" charset="0"/>
+              </a:rPr>
+              <a:t>for</a:t>
+            </a:r>
+            <a:r>
+              <a:rPr lang="en-US" b="0" dirty="0">
+                <a:solidFill>
+                  <a:srgbClr val="000000"/>
+                </a:solidFill>
+                <a:effectLst/>
+                <a:latin typeface="Courier New" panose="02070309020205020404" pitchFamily="49" charset="0"/>
+              </a:rPr>
+              <a:t> inputs, labels </a:t>
+            </a:r>
+            <a:r>
+              <a:rPr lang="en-US" b="0" dirty="0">
+                <a:solidFill>
+                  <a:srgbClr val="0000FF"/>
+                </a:solidFill>
+                <a:effectLst/>
+                <a:latin typeface="Courier New" panose="02070309020205020404" pitchFamily="49" charset="0"/>
+              </a:rPr>
+              <a:t>in</a:t>
+            </a:r>
+            <a:r>
+              <a:rPr lang="en-US" b="0" dirty="0">
+                <a:solidFill>
+                  <a:srgbClr val="000000"/>
+                </a:solidFill>
+                <a:effectLst/>
+                <a:latin typeface="Courier New" panose="02070309020205020404" pitchFamily="49" charset="0"/>
+              </a:rPr>
+              <a:t> </a:t>
+            </a:r>
+            <a:r>
+              <a:rPr lang="en-US" b="0" dirty="0" err="1">
+                <a:solidFill>
+                  <a:srgbClr val="000000"/>
+                </a:solidFill>
+                <a:effectLst/>
+                <a:latin typeface="Courier New" panose="02070309020205020404" pitchFamily="49" charset="0"/>
+              </a:rPr>
+              <a:t>dataloaders</a:t>
+            </a:r>
+            <a:r>
+              <a:rPr lang="en-US" b="0" dirty="0">
+                <a:solidFill>
+                  <a:srgbClr val="000000"/>
+                </a:solidFill>
+                <a:effectLst/>
+                <a:latin typeface="Courier New" panose="02070309020205020404" pitchFamily="49" charset="0"/>
+              </a:rPr>
+              <a:t>[</a:t>
+            </a:r>
+            <a:r>
+              <a:rPr lang="en-US" b="0" dirty="0">
+                <a:solidFill>
+                  <a:srgbClr val="A31515"/>
+                </a:solidFill>
+                <a:effectLst/>
+                <a:latin typeface="Courier New" panose="02070309020205020404" pitchFamily="49" charset="0"/>
+              </a:rPr>
+              <a:t>'train'</a:t>
+            </a:r>
+            <a:r>
+              <a:rPr lang="en-US" b="0" dirty="0">
+                <a:solidFill>
+                  <a:srgbClr val="000000"/>
+                </a:solidFill>
+                <a:effectLst/>
+                <a:latin typeface="Courier New" panose="02070309020205020404" pitchFamily="49" charset="0"/>
+              </a:rPr>
+              <a:t>]:</a:t>
+            </a:r>
+          </a:p>
+          <a:p>
+            <a:r>
+              <a:rPr lang="en-US" b="0" dirty="0">
+                <a:solidFill>
+                  <a:srgbClr val="000000"/>
+                </a:solidFill>
+                <a:effectLst/>
+                <a:latin typeface="Courier New" panose="02070309020205020404" pitchFamily="49" charset="0"/>
+              </a:rPr>
+              <a:t>        inputs, labels = inputs.to(device), labels.to(device)</a:t>
+            </a:r>
+          </a:p>
+          <a:p>
+            <a:r>
+              <a:rPr lang="ru-RU" b="0" dirty="0">
+                <a:solidFill>
+                  <a:srgbClr val="000000"/>
+                </a:solidFill>
+                <a:effectLst/>
+                <a:latin typeface="Courier New" panose="02070309020205020404" pitchFamily="49" charset="0"/>
+              </a:rPr>
+              <a:t>	</a:t>
+            </a:r>
+            <a:r>
+              <a:rPr lang="en-US" b="0" dirty="0" err="1">
+                <a:solidFill>
+                  <a:srgbClr val="000000"/>
+                </a:solidFill>
+                <a:effectLst/>
+                <a:latin typeface="Courier New" panose="02070309020205020404" pitchFamily="49" charset="0"/>
+              </a:rPr>
+              <a:t>optimizer.zero_grad</a:t>
+            </a:r>
+            <a:r>
+              <a:rPr lang="en-US" b="0" dirty="0">
+                <a:solidFill>
+                  <a:srgbClr val="000000"/>
+                </a:solidFill>
+                <a:effectLst/>
+                <a:latin typeface="Courier New" panose="02070309020205020404" pitchFamily="49" charset="0"/>
+              </a:rPr>
+              <a:t>()</a:t>
+            </a:r>
+          </a:p>
+          <a:p>
+            <a:r>
+              <a:rPr lang="en-US" b="0" dirty="0">
+                <a:solidFill>
+                  <a:srgbClr val="000000"/>
+                </a:solidFill>
+                <a:effectLst/>
+                <a:latin typeface="Courier New" panose="02070309020205020404" pitchFamily="49" charset="0"/>
+              </a:rPr>
+              <a:t>        outputs = model(inputs)</a:t>
+            </a:r>
+          </a:p>
+          <a:p>
+            <a:endParaRPr lang="ru-RU" b="0" dirty="0">
+              <a:solidFill>
+                <a:srgbClr val="000000"/>
+              </a:solidFill>
+              <a:effectLst/>
+              <a:latin typeface="Courier New" panose="02070309020205020404" pitchFamily="49" charset="0"/>
+            </a:endParaRPr>
+          </a:p>
+          <a:p>
+            <a:r>
+              <a:rPr lang="ru-RU" b="0" dirty="0">
+                <a:solidFill>
+                  <a:srgbClr val="000000"/>
+                </a:solidFill>
+                <a:effectLst/>
+                <a:latin typeface="Courier New" panose="02070309020205020404" pitchFamily="49" charset="0"/>
+              </a:rPr>
+              <a:t>        </a:t>
+            </a:r>
+            <a:r>
+              <a:rPr lang="en-US" b="0" dirty="0">
+                <a:solidFill>
+                  <a:srgbClr val="000000"/>
+                </a:solidFill>
+                <a:effectLst/>
+                <a:latin typeface="Courier New" panose="02070309020205020404" pitchFamily="49" charset="0"/>
+              </a:rPr>
+              <a:t>loss = criterion(outputs, labels)</a:t>
+            </a:r>
+          </a:p>
+          <a:p>
+            <a:r>
+              <a:rPr lang="en-US" b="0" dirty="0">
+                <a:solidFill>
+                  <a:srgbClr val="000000"/>
+                </a:solidFill>
+                <a:effectLst/>
+                <a:latin typeface="Courier New" panose="02070309020205020404" pitchFamily="49" charset="0"/>
+              </a:rPr>
+              <a:t>        </a:t>
+            </a:r>
+            <a:r>
+              <a:rPr lang="en-US" b="0" dirty="0" err="1">
+                <a:solidFill>
+                  <a:srgbClr val="000000"/>
+                </a:solidFill>
+                <a:effectLst/>
+                <a:latin typeface="Courier New" panose="02070309020205020404" pitchFamily="49" charset="0"/>
+              </a:rPr>
+              <a:t>loss.backward</a:t>
+            </a:r>
+            <a:r>
+              <a:rPr lang="en-US" b="0" dirty="0">
+                <a:solidFill>
+                  <a:srgbClr val="000000"/>
+                </a:solidFill>
+                <a:effectLst/>
+                <a:latin typeface="Courier New" panose="02070309020205020404" pitchFamily="49" charset="0"/>
+              </a:rPr>
+              <a:t>()</a:t>
+            </a:r>
+          </a:p>
+          <a:p>
+            <a:r>
+              <a:rPr lang="en-US" b="0" dirty="0">
+                <a:solidFill>
+                  <a:srgbClr val="000000"/>
+                </a:solidFill>
+                <a:effectLst/>
+                <a:latin typeface="Courier New" panose="02070309020205020404" pitchFamily="49" charset="0"/>
+              </a:rPr>
+              <a:t>        </a:t>
+            </a:r>
+            <a:r>
+              <a:rPr lang="en-US" b="0" dirty="0" err="1">
+                <a:solidFill>
+                  <a:srgbClr val="000000"/>
+                </a:solidFill>
+                <a:effectLst/>
+                <a:latin typeface="Courier New" panose="02070309020205020404" pitchFamily="49" charset="0"/>
+              </a:rPr>
+              <a:t>optimizer.step</a:t>
+            </a:r>
+            <a:r>
+              <a:rPr lang="en-US" b="0" dirty="0">
+                <a:solidFill>
+                  <a:srgbClr val="000000"/>
+                </a:solidFill>
+                <a:effectLst/>
+                <a:latin typeface="Courier New" panose="02070309020205020404" pitchFamily="49" charset="0"/>
+              </a:rPr>
+              <a:t>()</a:t>
+            </a:r>
+          </a:p>
+          <a:p>
+            <a:r>
+              <a:rPr lang="en-US" b="0" dirty="0">
+                <a:solidFill>
+                  <a:srgbClr val="000000"/>
+                </a:solidFill>
+                <a:effectLst/>
+                <a:latin typeface="Courier New" panose="02070309020205020404" pitchFamily="49" charset="0"/>
+              </a:rPr>
+              <a:t>        </a:t>
+            </a:r>
+            <a:r>
+              <a:rPr lang="en-US" b="0" dirty="0" err="1">
+                <a:solidFill>
+                  <a:srgbClr val="000000"/>
+                </a:solidFill>
+                <a:effectLst/>
+                <a:latin typeface="Courier New" panose="02070309020205020404" pitchFamily="49" charset="0"/>
+              </a:rPr>
+              <a:t>running_loss</a:t>
+            </a:r>
+            <a:r>
+              <a:rPr lang="en-US" b="0" dirty="0">
+                <a:solidFill>
+                  <a:srgbClr val="000000"/>
+                </a:solidFill>
+                <a:effectLst/>
+                <a:latin typeface="Courier New" panose="02070309020205020404" pitchFamily="49" charset="0"/>
+              </a:rPr>
+              <a:t> += </a:t>
+            </a:r>
+            <a:r>
+              <a:rPr lang="en-US" b="0" dirty="0" err="1">
+                <a:solidFill>
+                  <a:srgbClr val="000000"/>
+                </a:solidFill>
+                <a:effectLst/>
+                <a:latin typeface="Courier New" panose="02070309020205020404" pitchFamily="49" charset="0"/>
+              </a:rPr>
+              <a:t>loss.item</a:t>
+            </a:r>
+            <a:r>
+              <a:rPr lang="en-US" b="0" dirty="0">
+                <a:solidFill>
+                  <a:srgbClr val="000000"/>
+                </a:solidFill>
+                <a:effectLst/>
+                <a:latin typeface="Courier New" panose="02070309020205020404" pitchFamily="49" charset="0"/>
+              </a:rPr>
+              <a:t>()</a:t>
+            </a:r>
+            <a:endParaRPr lang="ru-RU" b="0" dirty="0">
+              <a:solidFill>
+                <a:srgbClr val="000000"/>
+              </a:solidFill>
+              <a:effectLst/>
+              <a:latin typeface="Courier New" panose="02070309020205020404" pitchFamily="49" charset="0"/>
+            </a:endParaRPr>
+          </a:p>
+          <a:p>
+            <a:endParaRPr lang="ru-RU" b="0" dirty="0">
+              <a:solidFill>
+                <a:srgbClr val="000000"/>
+              </a:solidFill>
+              <a:effectLst/>
+              <a:latin typeface="Courier New" panose="02070309020205020404" pitchFamily="49" charset="0"/>
+            </a:endParaRPr>
+          </a:p>
+          <a:p>
+            <a:r>
+              <a:rPr lang="ru-RU" dirty="0">
+                <a:latin typeface="Courier New" panose="02070309020205020404" pitchFamily="49" charset="0"/>
+              </a:rPr>
+              <a:t>    </a:t>
+            </a:r>
+            <a:r>
+              <a:rPr lang="en-US" b="0" dirty="0" err="1">
+                <a:solidFill>
+                  <a:srgbClr val="000000"/>
+                </a:solidFill>
+                <a:effectLst/>
+                <a:latin typeface="Courier New" panose="02070309020205020404" pitchFamily="49" charset="0"/>
+              </a:rPr>
+              <a:t>last_loss</a:t>
+            </a:r>
+            <a:r>
+              <a:rPr lang="en-US" b="0" dirty="0">
+                <a:solidFill>
+                  <a:srgbClr val="000000"/>
+                </a:solidFill>
+                <a:effectLst/>
+                <a:latin typeface="Courier New" panose="02070309020205020404" pitchFamily="49" charset="0"/>
+              </a:rPr>
+              <a:t> = </a:t>
+            </a:r>
+            <a:r>
+              <a:rPr lang="en-US" b="0" dirty="0" err="1">
+                <a:solidFill>
+                  <a:srgbClr val="000000"/>
+                </a:solidFill>
+                <a:effectLst/>
+                <a:latin typeface="Courier New" panose="02070309020205020404" pitchFamily="49" charset="0"/>
+              </a:rPr>
+              <a:t>running_loss</a:t>
+            </a:r>
+            <a:r>
+              <a:rPr lang="en-US" b="0" dirty="0">
+                <a:solidFill>
+                  <a:srgbClr val="000000"/>
+                </a:solidFill>
+                <a:effectLst/>
+                <a:latin typeface="Courier New" panose="02070309020205020404" pitchFamily="49" charset="0"/>
+              </a:rPr>
+              <a:t> / </a:t>
+            </a:r>
+            <a:r>
+              <a:rPr lang="en-US" b="0" dirty="0" err="1">
+                <a:solidFill>
+                  <a:srgbClr val="000000"/>
+                </a:solidFill>
+                <a:effectLst/>
+                <a:latin typeface="Courier New" panose="02070309020205020404" pitchFamily="49" charset="0"/>
+              </a:rPr>
+              <a:t>dataset_sizes</a:t>
+            </a:r>
+            <a:r>
+              <a:rPr lang="en-US" b="0" dirty="0">
+                <a:solidFill>
+                  <a:srgbClr val="000000"/>
+                </a:solidFill>
+                <a:effectLst/>
+                <a:latin typeface="Courier New" panose="02070309020205020404" pitchFamily="49" charset="0"/>
+              </a:rPr>
+              <a:t>[</a:t>
+            </a:r>
+            <a:r>
+              <a:rPr lang="en-US" b="0" dirty="0">
+                <a:solidFill>
+                  <a:srgbClr val="A31515"/>
+                </a:solidFill>
+                <a:effectLst/>
+                <a:latin typeface="Courier New" panose="02070309020205020404" pitchFamily="49" charset="0"/>
+              </a:rPr>
+              <a:t>'train'</a:t>
+            </a:r>
+            <a:r>
+              <a:rPr lang="en-US" b="0" dirty="0">
+                <a:solidFill>
+                  <a:srgbClr val="000000"/>
+                </a:solidFill>
+                <a:effectLst/>
+                <a:latin typeface="Courier New" panose="02070309020205020404" pitchFamily="49" charset="0"/>
+              </a:rPr>
+              <a:t>]</a:t>
+            </a:r>
+          </a:p>
+          <a:p>
+            <a:r>
+              <a:rPr lang="en-US" b="0" dirty="0">
+                <a:solidFill>
+                  <a:srgbClr val="000000"/>
+                </a:solidFill>
+                <a:effectLst/>
+                <a:latin typeface="Courier New" panose="02070309020205020404" pitchFamily="49" charset="0"/>
+              </a:rPr>
+              <a:t>    </a:t>
+            </a:r>
+            <a:r>
+              <a:rPr lang="en-US" b="0" dirty="0">
+                <a:solidFill>
+                  <a:srgbClr val="795E26"/>
+                </a:solidFill>
+                <a:effectLst/>
+                <a:latin typeface="Courier New" panose="02070309020205020404" pitchFamily="49" charset="0"/>
+              </a:rPr>
+              <a:t>print</a:t>
+            </a:r>
+            <a:r>
+              <a:rPr lang="en-US" b="0" dirty="0">
+                <a:solidFill>
+                  <a:srgbClr val="000000"/>
+                </a:solidFill>
+                <a:effectLst/>
+                <a:latin typeface="Courier New" panose="02070309020205020404" pitchFamily="49" charset="0"/>
+              </a:rPr>
+              <a:t>(</a:t>
+            </a:r>
+            <a:r>
+              <a:rPr lang="en-US" b="0" dirty="0" err="1">
+                <a:solidFill>
+                  <a:srgbClr val="0000FF"/>
+                </a:solidFill>
+                <a:effectLst/>
+                <a:latin typeface="Courier New" panose="02070309020205020404" pitchFamily="49" charset="0"/>
+              </a:rPr>
+              <a:t>f</a:t>
+            </a:r>
+            <a:r>
+              <a:rPr lang="en-US" b="0" dirty="0" err="1">
+                <a:solidFill>
+                  <a:srgbClr val="A31515"/>
+                </a:solidFill>
+                <a:effectLst/>
+                <a:latin typeface="Courier New" panose="02070309020205020404" pitchFamily="49" charset="0"/>
+              </a:rPr>
+              <a:t>"Epoch</a:t>
+            </a:r>
+            <a:r>
+              <a:rPr lang="en-US" b="0" dirty="0">
+                <a:solidFill>
+                  <a:srgbClr val="A31515"/>
+                </a:solidFill>
+                <a:effectLst/>
+                <a:latin typeface="Courier New" panose="02070309020205020404" pitchFamily="49" charset="0"/>
+              </a:rPr>
+              <a:t> </a:t>
+            </a:r>
+            <a:r>
+              <a:rPr lang="en-US" b="0" dirty="0">
+                <a:solidFill>
+                  <a:srgbClr val="000000"/>
+                </a:solidFill>
+                <a:effectLst/>
+                <a:latin typeface="Courier New" panose="02070309020205020404" pitchFamily="49" charset="0"/>
+              </a:rPr>
+              <a:t>{epoch + </a:t>
+            </a:r>
+            <a:r>
+              <a:rPr lang="en-US" b="0" dirty="0">
+                <a:solidFill>
+                  <a:srgbClr val="116644"/>
+                </a:solidFill>
+                <a:effectLst/>
+                <a:latin typeface="Courier New" panose="02070309020205020404" pitchFamily="49" charset="0"/>
+              </a:rPr>
+              <a:t>1</a:t>
+            </a:r>
+            <a:r>
+              <a:rPr lang="en-US" b="0" dirty="0">
+                <a:solidFill>
+                  <a:srgbClr val="000000"/>
+                </a:solidFill>
+                <a:effectLst/>
+                <a:latin typeface="Courier New" panose="02070309020205020404" pitchFamily="49" charset="0"/>
+              </a:rPr>
+              <a:t>}</a:t>
+            </a:r>
+            <a:r>
+              <a:rPr lang="en-US" b="0" dirty="0">
+                <a:solidFill>
+                  <a:srgbClr val="A31515"/>
+                </a:solidFill>
+                <a:effectLst/>
+                <a:latin typeface="Courier New" panose="02070309020205020404" pitchFamily="49" charset="0"/>
+              </a:rPr>
+              <a:t>, Loss: </a:t>
+            </a:r>
+            <a:r>
+              <a:rPr lang="en-US" b="0" dirty="0">
+                <a:solidFill>
+                  <a:srgbClr val="000000"/>
+                </a:solidFill>
+                <a:effectLst/>
+                <a:latin typeface="Courier New" panose="02070309020205020404" pitchFamily="49" charset="0"/>
+              </a:rPr>
+              <a:t>{</a:t>
+            </a:r>
+            <a:r>
+              <a:rPr lang="en-US" b="0" dirty="0" err="1">
+                <a:solidFill>
+                  <a:srgbClr val="000000"/>
+                </a:solidFill>
+                <a:effectLst/>
+                <a:latin typeface="Courier New" panose="02070309020205020404" pitchFamily="49" charset="0"/>
+              </a:rPr>
+              <a:t>last_loss</a:t>
+            </a:r>
+            <a:r>
+              <a:rPr lang="en-US" b="0" dirty="0">
+                <a:solidFill>
+                  <a:srgbClr val="000000"/>
+                </a:solidFill>
+                <a:effectLst/>
+                <a:latin typeface="Courier New" panose="02070309020205020404" pitchFamily="49" charset="0"/>
+              </a:rPr>
+              <a:t>}</a:t>
+            </a:r>
+            <a:r>
+              <a:rPr lang="en-US" b="0" dirty="0">
+                <a:solidFill>
+                  <a:srgbClr val="A31515"/>
+                </a:solidFill>
+                <a:effectLst/>
+                <a:latin typeface="Courier New" panose="02070309020205020404" pitchFamily="49" charset="0"/>
+              </a:rPr>
+              <a:t>"</a:t>
+            </a:r>
+            <a:r>
+              <a:rPr lang="en-US" b="0" dirty="0">
+                <a:solidFill>
+                  <a:srgbClr val="000000"/>
+                </a:solidFill>
+                <a:effectLst/>
+                <a:latin typeface="Courier New" panose="02070309020205020404" pitchFamily="49" charset="0"/>
+              </a:rPr>
+              <a:t>)</a:t>
+            </a:r>
+          </a:p>
+          <a:p>
+            <a:endParaRPr lang="en-US" b="0" dirty="0">
+              <a:solidFill>
+                <a:srgbClr val="000000"/>
+              </a:solidFill>
+              <a:effectLst/>
+              <a:latin typeface="Courier New" panose="02070309020205020404" pitchFamily="49" charset="0"/>
+            </a:endParaRPr>
+          </a:p>
+        </p:txBody>
+      </p:sp>
+      <p:pic>
+        <p:nvPicPr>
+          <p:cNvPr id="9" name="Рисунок 8">
+            <a:extLst>
+              <a:ext uri="{FF2B5EF4-FFF2-40B4-BE49-F238E27FC236}">
+                <a16:creationId xmlns:a16="http://schemas.microsoft.com/office/drawing/2014/main" id="{F62DF2A9-8740-371B-CD90-EA6D8CB8187C}"/>
+              </a:ext>
+            </a:extLst>
+          </p:cNvPr>
+          <p:cNvPicPr>
+            <a:picLocks noChangeAspect="1"/>
+          </p:cNvPicPr>
+          <p:nvPr/>
+        </p:nvPicPr>
+        <p:blipFill>
+          <a:blip r:embed="rId5"/>
+          <a:stretch>
+            <a:fillRect/>
+          </a:stretch>
+        </p:blipFill>
+        <p:spPr>
+          <a:xfrm>
+            <a:off x="12114949" y="3915717"/>
+            <a:ext cx="3083840" cy="5563629"/>
+          </a:xfrm>
+          <a:prstGeom prst="rect">
+            <a:avLst/>
+          </a:prstGeom>
+        </p:spPr>
+      </p:pic>
+      <p:sp>
+        <p:nvSpPr>
+          <p:cNvPr id="13" name="TextBox 12">
+            <a:extLst>
+              <a:ext uri="{FF2B5EF4-FFF2-40B4-BE49-F238E27FC236}">
+                <a16:creationId xmlns:a16="http://schemas.microsoft.com/office/drawing/2014/main" id="{4F80BE5F-A32E-C2D9-1985-6B69206277DB}"/>
+              </a:ext>
+            </a:extLst>
+          </p:cNvPr>
+          <p:cNvSpPr txBox="1"/>
+          <p:nvPr/>
+        </p:nvSpPr>
+        <p:spPr>
+          <a:xfrm>
+            <a:off x="2202584" y="3009251"/>
+            <a:ext cx="10051472" cy="2677656"/>
+          </a:xfrm>
+          <a:prstGeom prst="rect">
+            <a:avLst/>
+          </a:prstGeom>
+          <a:noFill/>
+        </p:spPr>
+        <p:txBody>
+          <a:bodyPr wrap="square">
+            <a:spAutoFit/>
+          </a:bodyPr>
+          <a:lstStyle/>
+          <a:p>
+            <a:r>
+              <a:rPr lang="ru-RU" b="0" dirty="0">
+                <a:solidFill>
+                  <a:srgbClr val="008000"/>
+                </a:solidFill>
+                <a:effectLst/>
+                <a:latin typeface="Courier New" panose="02070309020205020404" pitchFamily="49" charset="0"/>
+              </a:rPr>
+              <a:t># Загрузка предварительно обученной модели </a:t>
+            </a:r>
+            <a:r>
+              <a:rPr lang="en-US" b="0" dirty="0">
+                <a:solidFill>
+                  <a:srgbClr val="008000"/>
+                </a:solidFill>
+                <a:effectLst/>
+                <a:latin typeface="Courier New" panose="02070309020205020404" pitchFamily="49" charset="0"/>
+              </a:rPr>
+              <a:t>ResNet152</a:t>
+            </a:r>
+            <a:endParaRPr lang="en-US" b="0" dirty="0">
+              <a:solidFill>
+                <a:srgbClr val="000000"/>
+              </a:solidFill>
+              <a:effectLst/>
+              <a:latin typeface="Courier New" panose="02070309020205020404" pitchFamily="49" charset="0"/>
+            </a:endParaRPr>
+          </a:p>
+          <a:p>
+            <a:r>
+              <a:rPr lang="en-US" b="0" dirty="0">
+                <a:solidFill>
+                  <a:srgbClr val="000000"/>
+                </a:solidFill>
+                <a:effectLst/>
+                <a:latin typeface="Courier New" panose="02070309020205020404" pitchFamily="49" charset="0"/>
+              </a:rPr>
+              <a:t>model = models.resnet152(pretrained=</a:t>
+            </a:r>
+            <a:r>
+              <a:rPr lang="en-US" b="0" dirty="0">
+                <a:solidFill>
+                  <a:srgbClr val="0000FF"/>
+                </a:solidFill>
+                <a:effectLst/>
+                <a:latin typeface="Courier New" panose="02070309020205020404" pitchFamily="49" charset="0"/>
+              </a:rPr>
+              <a:t>True</a:t>
+            </a:r>
+            <a:r>
+              <a:rPr lang="en-US" b="0" dirty="0">
+                <a:solidFill>
+                  <a:srgbClr val="000000"/>
+                </a:solidFill>
+                <a:effectLst/>
+                <a:latin typeface="Courier New" panose="02070309020205020404" pitchFamily="49" charset="0"/>
+              </a:rPr>
+              <a:t>)</a:t>
+            </a:r>
+          </a:p>
+          <a:p>
+            <a:br>
+              <a:rPr lang="en-US" b="0" dirty="0">
+                <a:solidFill>
+                  <a:srgbClr val="000000"/>
+                </a:solidFill>
+                <a:effectLst/>
+                <a:latin typeface="Courier New" panose="02070309020205020404" pitchFamily="49" charset="0"/>
+              </a:rPr>
+            </a:br>
+            <a:r>
+              <a:rPr lang="en-US" b="0" dirty="0">
+                <a:solidFill>
+                  <a:srgbClr val="008000"/>
+                </a:solidFill>
+                <a:effectLst/>
+                <a:latin typeface="Courier New" panose="02070309020205020404" pitchFamily="49" charset="0"/>
+              </a:rPr>
+              <a:t># </a:t>
+            </a:r>
+            <a:r>
+              <a:rPr lang="ru-RU" b="0" dirty="0">
+                <a:solidFill>
+                  <a:srgbClr val="008000"/>
+                </a:solidFill>
+                <a:effectLst/>
+                <a:latin typeface="Courier New" panose="02070309020205020404" pitchFamily="49" charset="0"/>
+              </a:rPr>
+              <a:t>Получение количества признаков в последнем </a:t>
+            </a:r>
+            <a:r>
+              <a:rPr lang="ru-RU" b="0" dirty="0" err="1">
+                <a:solidFill>
+                  <a:srgbClr val="008000"/>
+                </a:solidFill>
+                <a:effectLst/>
+                <a:latin typeface="Courier New" panose="02070309020205020404" pitchFamily="49" charset="0"/>
+              </a:rPr>
+              <a:t>полносвязном</a:t>
+            </a:r>
+            <a:r>
+              <a:rPr lang="ru-RU" b="0" dirty="0">
+                <a:solidFill>
+                  <a:srgbClr val="008000"/>
+                </a:solidFill>
+                <a:effectLst/>
+                <a:latin typeface="Courier New" panose="02070309020205020404" pitchFamily="49" charset="0"/>
+              </a:rPr>
+              <a:t> слое</a:t>
+            </a:r>
+            <a:endParaRPr lang="ru-RU" b="0" dirty="0">
+              <a:solidFill>
+                <a:srgbClr val="000000"/>
+              </a:solidFill>
+              <a:effectLst/>
+              <a:latin typeface="Courier New" panose="02070309020205020404" pitchFamily="49" charset="0"/>
+            </a:endParaRPr>
+          </a:p>
+          <a:p>
+            <a:r>
+              <a:rPr lang="en-US" b="0" dirty="0" err="1">
+                <a:solidFill>
+                  <a:srgbClr val="000000"/>
+                </a:solidFill>
+                <a:effectLst/>
+                <a:latin typeface="Courier New" panose="02070309020205020404" pitchFamily="49" charset="0"/>
+              </a:rPr>
+              <a:t>num_ftrs</a:t>
+            </a:r>
+            <a:r>
+              <a:rPr lang="en-US" b="0" dirty="0">
+                <a:solidFill>
+                  <a:srgbClr val="000000"/>
+                </a:solidFill>
+                <a:effectLst/>
+                <a:latin typeface="Courier New" panose="02070309020205020404" pitchFamily="49" charset="0"/>
+              </a:rPr>
+              <a:t> = </a:t>
+            </a:r>
+            <a:r>
+              <a:rPr lang="en-US" b="0" dirty="0" err="1">
+                <a:solidFill>
+                  <a:srgbClr val="000000"/>
+                </a:solidFill>
+                <a:effectLst/>
+                <a:latin typeface="Courier New" panose="02070309020205020404" pitchFamily="49" charset="0"/>
+              </a:rPr>
+              <a:t>model.fc.in_features</a:t>
+            </a:r>
+            <a:endParaRPr lang="en-US" b="0" dirty="0">
+              <a:solidFill>
+                <a:srgbClr val="000000"/>
+              </a:solidFill>
+              <a:effectLst/>
+              <a:latin typeface="Courier New" panose="02070309020205020404" pitchFamily="49" charset="0"/>
+            </a:endParaRPr>
+          </a:p>
+          <a:p>
+            <a:br>
+              <a:rPr lang="en-US" b="0" dirty="0">
+                <a:solidFill>
+                  <a:srgbClr val="000000"/>
+                </a:solidFill>
+                <a:effectLst/>
+                <a:latin typeface="Courier New" panose="02070309020205020404" pitchFamily="49" charset="0"/>
+              </a:rPr>
+            </a:br>
+            <a:r>
+              <a:rPr lang="en-US" b="0" dirty="0">
+                <a:solidFill>
+                  <a:srgbClr val="008000"/>
+                </a:solidFill>
+                <a:effectLst/>
+                <a:latin typeface="Courier New" panose="02070309020205020404" pitchFamily="49" charset="0"/>
+              </a:rPr>
+              <a:t># </a:t>
+            </a:r>
+            <a:r>
+              <a:rPr lang="ru-RU" b="0" dirty="0">
+                <a:solidFill>
+                  <a:srgbClr val="008000"/>
+                </a:solidFill>
+                <a:effectLst/>
+                <a:latin typeface="Courier New" panose="02070309020205020404" pitchFamily="49" charset="0"/>
+              </a:rPr>
+              <a:t>Замена последнего </a:t>
+            </a:r>
+            <a:r>
+              <a:rPr lang="ru-RU" b="0" dirty="0" err="1">
+                <a:solidFill>
+                  <a:srgbClr val="008000"/>
+                </a:solidFill>
+                <a:effectLst/>
+                <a:latin typeface="Courier New" panose="02070309020205020404" pitchFamily="49" charset="0"/>
+              </a:rPr>
+              <a:t>полносвязного</a:t>
+            </a:r>
+            <a:r>
+              <a:rPr lang="ru-RU" b="0" dirty="0">
+                <a:solidFill>
+                  <a:srgbClr val="008000"/>
+                </a:solidFill>
+                <a:effectLst/>
+                <a:latin typeface="Courier New" panose="02070309020205020404" pitchFamily="49" charset="0"/>
+              </a:rPr>
+              <a:t> слоя на слой с 2 выходами (2 класса: </a:t>
+            </a:r>
+            <a:r>
+              <a:rPr lang="en-US" b="0" dirty="0">
+                <a:solidFill>
+                  <a:srgbClr val="008000"/>
+                </a:solidFill>
+                <a:effectLst/>
+                <a:latin typeface="Courier New" panose="02070309020205020404" pitchFamily="49" charset="0"/>
+              </a:rPr>
+              <a:t>helmet, </a:t>
+            </a:r>
+            <a:r>
+              <a:rPr lang="en-US" b="0" dirty="0" err="1">
+                <a:solidFill>
+                  <a:srgbClr val="008000"/>
+                </a:solidFill>
+                <a:effectLst/>
+                <a:latin typeface="Courier New" panose="02070309020205020404" pitchFamily="49" charset="0"/>
+              </a:rPr>
+              <a:t>no_helmet</a:t>
+            </a:r>
+            <a:r>
+              <a:rPr lang="en-US" b="0" dirty="0">
+                <a:solidFill>
+                  <a:srgbClr val="008000"/>
+                </a:solidFill>
+                <a:effectLst/>
+                <a:latin typeface="Courier New" panose="02070309020205020404" pitchFamily="49" charset="0"/>
+              </a:rPr>
+              <a:t>)</a:t>
+            </a:r>
+            <a:endParaRPr lang="en-US" b="0" dirty="0">
+              <a:solidFill>
+                <a:srgbClr val="000000"/>
+              </a:solidFill>
+              <a:effectLst/>
+              <a:latin typeface="Courier New" panose="02070309020205020404" pitchFamily="49" charset="0"/>
+            </a:endParaRPr>
+          </a:p>
+          <a:p>
+            <a:r>
+              <a:rPr lang="en-US" b="0" dirty="0" err="1">
+                <a:solidFill>
+                  <a:srgbClr val="000000"/>
+                </a:solidFill>
+                <a:effectLst/>
+                <a:latin typeface="Courier New" panose="02070309020205020404" pitchFamily="49" charset="0"/>
+              </a:rPr>
+              <a:t>model.fc</a:t>
+            </a:r>
+            <a:r>
+              <a:rPr lang="en-US" b="0" dirty="0">
+                <a:solidFill>
+                  <a:srgbClr val="000000"/>
+                </a:solidFill>
+                <a:effectLst/>
+                <a:latin typeface="Courier New" panose="02070309020205020404" pitchFamily="49" charset="0"/>
+              </a:rPr>
+              <a:t> = </a:t>
+            </a:r>
+            <a:r>
+              <a:rPr lang="en-US" b="0" dirty="0" err="1">
+                <a:solidFill>
+                  <a:srgbClr val="000000"/>
+                </a:solidFill>
+                <a:effectLst/>
+                <a:latin typeface="Courier New" panose="02070309020205020404" pitchFamily="49" charset="0"/>
+              </a:rPr>
+              <a:t>nn.Linear</a:t>
+            </a:r>
+            <a:r>
+              <a:rPr lang="en-US" b="0" dirty="0">
+                <a:solidFill>
+                  <a:srgbClr val="000000"/>
+                </a:solidFill>
+                <a:effectLst/>
+                <a:latin typeface="Courier New" panose="02070309020205020404" pitchFamily="49" charset="0"/>
+              </a:rPr>
+              <a:t>(</a:t>
+            </a:r>
+            <a:r>
+              <a:rPr lang="en-US" b="0" dirty="0" err="1">
+                <a:solidFill>
+                  <a:srgbClr val="000000"/>
+                </a:solidFill>
+                <a:effectLst/>
+                <a:latin typeface="Courier New" panose="02070309020205020404" pitchFamily="49" charset="0"/>
+              </a:rPr>
+              <a:t>num_ftrs</a:t>
+            </a:r>
+            <a:r>
+              <a:rPr lang="en-US" b="0" dirty="0">
+                <a:solidFill>
+                  <a:srgbClr val="000000"/>
+                </a:solidFill>
+                <a:effectLst/>
+                <a:latin typeface="Courier New" panose="02070309020205020404" pitchFamily="49" charset="0"/>
+              </a:rPr>
+              <a:t>, </a:t>
+            </a:r>
+            <a:r>
+              <a:rPr lang="en-US" b="0" dirty="0">
+                <a:solidFill>
+                  <a:srgbClr val="116644"/>
+                </a:solidFill>
+                <a:effectLst/>
+                <a:latin typeface="Courier New" panose="02070309020205020404" pitchFamily="49" charset="0"/>
+              </a:rPr>
+              <a:t>2</a:t>
+            </a:r>
+            <a:r>
+              <a:rPr lang="en-US" b="0" dirty="0">
+                <a:solidFill>
+                  <a:srgbClr val="000000"/>
+                </a:solidFill>
+                <a:effectLst/>
+                <a:latin typeface="Courier New" panose="02070309020205020404" pitchFamily="49" charset="0"/>
+              </a:rPr>
+              <a:t>)</a:t>
+            </a:r>
+          </a:p>
+          <a:p>
+            <a:br>
+              <a:rPr lang="en-US" b="0" dirty="0">
+                <a:solidFill>
+                  <a:srgbClr val="000000"/>
+                </a:solidFill>
+                <a:effectLst/>
+                <a:latin typeface="Courier New" panose="02070309020205020404" pitchFamily="49" charset="0"/>
+              </a:rPr>
+            </a:br>
+            <a:r>
+              <a:rPr lang="en-US" b="0" dirty="0">
+                <a:solidFill>
+                  <a:srgbClr val="008000"/>
+                </a:solidFill>
+                <a:effectLst/>
+                <a:latin typeface="Courier New" panose="02070309020205020404" pitchFamily="49" charset="0"/>
+              </a:rPr>
+              <a:t># </a:t>
+            </a:r>
+            <a:r>
+              <a:rPr lang="ru-RU" b="0" dirty="0">
+                <a:solidFill>
+                  <a:srgbClr val="008000"/>
+                </a:solidFill>
+                <a:effectLst/>
+                <a:latin typeface="Courier New" panose="02070309020205020404" pitchFamily="49" charset="0"/>
+              </a:rPr>
+              <a:t>Определение функции потерь (</a:t>
+            </a:r>
+            <a:r>
+              <a:rPr lang="en-US" b="0" dirty="0">
+                <a:solidFill>
+                  <a:srgbClr val="008000"/>
+                </a:solidFill>
+                <a:effectLst/>
+                <a:latin typeface="Courier New" panose="02070309020205020404" pitchFamily="49" charset="0"/>
+              </a:rPr>
+              <a:t>cross-entropy) </a:t>
+            </a:r>
+            <a:r>
+              <a:rPr lang="ru-RU" b="0" dirty="0">
+                <a:solidFill>
+                  <a:srgbClr val="008000"/>
+                </a:solidFill>
+                <a:effectLst/>
+                <a:latin typeface="Courier New" panose="02070309020205020404" pitchFamily="49" charset="0"/>
+              </a:rPr>
+              <a:t>и оптимизатора (</a:t>
+            </a:r>
+            <a:r>
+              <a:rPr lang="en-US" b="0" dirty="0">
+                <a:solidFill>
+                  <a:srgbClr val="008000"/>
+                </a:solidFill>
+                <a:effectLst/>
+                <a:latin typeface="Courier New" panose="02070309020205020404" pitchFamily="49" charset="0"/>
+              </a:rPr>
+              <a:t>SGD)</a:t>
+            </a:r>
+            <a:endParaRPr lang="en-US" b="0" dirty="0">
+              <a:solidFill>
+                <a:srgbClr val="000000"/>
+              </a:solidFill>
+              <a:effectLst/>
+              <a:latin typeface="Courier New" panose="02070309020205020404" pitchFamily="49" charset="0"/>
+            </a:endParaRPr>
+          </a:p>
+          <a:p>
+            <a:r>
+              <a:rPr lang="en-US" b="0" dirty="0">
+                <a:solidFill>
+                  <a:srgbClr val="000000"/>
+                </a:solidFill>
+                <a:effectLst/>
+                <a:latin typeface="Courier New" panose="02070309020205020404" pitchFamily="49" charset="0"/>
+              </a:rPr>
+              <a:t>criterion = </a:t>
+            </a:r>
+            <a:r>
+              <a:rPr lang="en-US" b="0" dirty="0" err="1">
+                <a:solidFill>
+                  <a:srgbClr val="000000"/>
+                </a:solidFill>
+                <a:effectLst/>
+                <a:latin typeface="Courier New" panose="02070309020205020404" pitchFamily="49" charset="0"/>
+              </a:rPr>
+              <a:t>nn.CrossEntropyLoss</a:t>
+            </a:r>
+            <a:r>
+              <a:rPr lang="en-US" b="0" dirty="0">
+                <a:solidFill>
+                  <a:srgbClr val="000000"/>
+                </a:solidFill>
+                <a:effectLst/>
+                <a:latin typeface="Courier New" panose="02070309020205020404" pitchFamily="49" charset="0"/>
+              </a:rPr>
+              <a:t>()</a:t>
+            </a:r>
+          </a:p>
+          <a:p>
+            <a:r>
+              <a:rPr lang="en-US" b="0" dirty="0">
+                <a:solidFill>
+                  <a:srgbClr val="000000"/>
+                </a:solidFill>
+                <a:effectLst/>
+                <a:latin typeface="Courier New" panose="02070309020205020404" pitchFamily="49" charset="0"/>
+              </a:rPr>
+              <a:t>optimizer = </a:t>
+            </a:r>
+            <a:r>
+              <a:rPr lang="en-US" b="0" dirty="0" err="1">
+                <a:solidFill>
+                  <a:srgbClr val="000000"/>
+                </a:solidFill>
+                <a:effectLst/>
+                <a:latin typeface="Courier New" panose="02070309020205020404" pitchFamily="49" charset="0"/>
+              </a:rPr>
+              <a:t>optim.SGD</a:t>
+            </a:r>
+            <a:r>
+              <a:rPr lang="en-US" b="0" dirty="0">
+                <a:solidFill>
+                  <a:srgbClr val="000000"/>
+                </a:solidFill>
+                <a:effectLst/>
+                <a:latin typeface="Courier New" panose="02070309020205020404" pitchFamily="49" charset="0"/>
+              </a:rPr>
+              <a:t>(</a:t>
+            </a:r>
+            <a:r>
+              <a:rPr lang="en-US" b="0" dirty="0" err="1">
+                <a:solidFill>
+                  <a:srgbClr val="000000"/>
+                </a:solidFill>
+                <a:effectLst/>
+                <a:latin typeface="Courier New" panose="02070309020205020404" pitchFamily="49" charset="0"/>
+              </a:rPr>
+              <a:t>model.parameters</a:t>
+            </a:r>
+            <a:r>
+              <a:rPr lang="en-US" b="0" dirty="0">
+                <a:solidFill>
+                  <a:srgbClr val="000000"/>
+                </a:solidFill>
+                <a:effectLst/>
+                <a:latin typeface="Courier New" panose="02070309020205020404" pitchFamily="49" charset="0"/>
+              </a:rPr>
+              <a:t>(), </a:t>
+            </a:r>
+            <a:r>
+              <a:rPr lang="en-US" b="0" dirty="0" err="1">
+                <a:solidFill>
+                  <a:srgbClr val="000000"/>
+                </a:solidFill>
+                <a:effectLst/>
+                <a:latin typeface="Courier New" panose="02070309020205020404" pitchFamily="49" charset="0"/>
+              </a:rPr>
+              <a:t>lr</a:t>
+            </a:r>
+            <a:r>
+              <a:rPr lang="en-US" b="0" dirty="0">
+                <a:solidFill>
+                  <a:srgbClr val="000000"/>
+                </a:solidFill>
+                <a:effectLst/>
+                <a:latin typeface="Courier New" panose="02070309020205020404" pitchFamily="49" charset="0"/>
+              </a:rPr>
+              <a:t>=</a:t>
+            </a:r>
+            <a:r>
+              <a:rPr lang="en-US" b="0" dirty="0">
+                <a:solidFill>
+                  <a:srgbClr val="116644"/>
+                </a:solidFill>
+                <a:effectLst/>
+                <a:latin typeface="Courier New" panose="02070309020205020404" pitchFamily="49" charset="0"/>
+              </a:rPr>
+              <a:t>0.001</a:t>
+            </a:r>
+            <a:r>
+              <a:rPr lang="en-US" b="0" dirty="0">
+                <a:solidFill>
+                  <a:srgbClr val="000000"/>
+                </a:solidFill>
+                <a:effectLst/>
+                <a:latin typeface="Courier New" panose="02070309020205020404" pitchFamily="49" charset="0"/>
+              </a:rPr>
+              <a:t>, momentum=</a:t>
+            </a:r>
+            <a:r>
+              <a:rPr lang="en-US" b="0" dirty="0">
+                <a:solidFill>
+                  <a:srgbClr val="116644"/>
+                </a:solidFill>
+                <a:effectLst/>
+                <a:latin typeface="Courier New" panose="02070309020205020404" pitchFamily="49" charset="0"/>
+              </a:rPr>
+              <a:t>0.09</a:t>
+            </a:r>
+            <a:r>
+              <a:rPr lang="en-US" b="0" dirty="0">
+                <a:solidFill>
+                  <a:srgbClr val="000000"/>
+                </a:solidFill>
+                <a:effectLst/>
+                <a:latin typeface="Courier New" panose="02070309020205020404" pitchFamily="49" charset="0"/>
+              </a:rPr>
+              <a:t>)</a:t>
+            </a:r>
+          </a:p>
+        </p:txBody>
+      </p:sp>
+    </p:spTree>
+    <p:extLst>
+      <p:ext uri="{BB962C8B-B14F-4D97-AF65-F5344CB8AC3E}">
+        <p14:creationId xmlns:p14="http://schemas.microsoft.com/office/powerpoint/2010/main" val="712142217"/>
+      </p:ext>
+    </p:extLst>
+  </p:cSld>
+  <p:clrMapOvr>
+    <a:masterClrMapping/>
+  </p:clrMapOvr>
+</p:sld>
+</file>
+
+<file path=ppt/slides/slide11.xml><?xml version="1.0" encoding="utf-8"?>
+<p:sld xmlns:a="http://schemas.openxmlformats.org/drawingml/2006/main" xmlns:r="http://schemas.openxmlformats.org/officeDocument/2006/relationships" xmlns:p="http://schemas.openxmlformats.org/presentationml/2006/main">
+  <p:cSld>
+    <p:spTree>
+      <p:nvGrpSpPr>
+        <p:cNvPr id="1" name="Shape 105"/>
+        <p:cNvGrpSpPr/>
+        <p:nvPr/>
+      </p:nvGrpSpPr>
+      <p:grpSpPr>
+        <a:xfrm>
+          <a:off x="0" y="0"/>
+          <a:ext cx="0" cy="0"/>
+          <a:chOff x="0" y="0"/>
+          <a:chExt cx="0" cy="0"/>
+        </a:xfrm>
+      </p:grpSpPr>
+      <p:pic>
+        <p:nvPicPr>
+          <p:cNvPr id="106" name="Google Shape;106;p6"/>
+          <p:cNvPicPr preferRelativeResize="0"/>
+          <p:nvPr/>
+        </p:nvPicPr>
+        <p:blipFill rotWithShape="1">
+          <a:blip r:embed="rId3">
+            <a:alphaModFix/>
+          </a:blip>
+          <a:srcRect/>
+          <a:stretch/>
+        </p:blipFill>
+        <p:spPr>
+          <a:xfrm>
+            <a:off x="0" y="2359"/>
+            <a:ext cx="20104100" cy="11304631"/>
+          </a:xfrm>
+          <a:prstGeom prst="rect">
+            <a:avLst/>
+          </a:prstGeom>
+          <a:noFill/>
+          <a:ln>
+            <a:noFill/>
+          </a:ln>
+        </p:spPr>
+      </p:pic>
+      <p:sp>
+        <p:nvSpPr>
+          <p:cNvPr id="107" name="Google Shape;107;p6"/>
+          <p:cNvSpPr txBox="1"/>
+          <p:nvPr/>
+        </p:nvSpPr>
+        <p:spPr>
+          <a:xfrm>
+            <a:off x="1622330" y="1060856"/>
+            <a:ext cx="14624079" cy="697178"/>
+          </a:xfrm>
+          <a:prstGeom prst="rect">
+            <a:avLst/>
+          </a:prstGeom>
+          <a:noFill/>
+          <a:ln>
+            <a:noFill/>
+          </a:ln>
+        </p:spPr>
+        <p:txBody>
+          <a:bodyPr spcFirstLastPara="1" wrap="square" lIns="0" tIns="19875" rIns="0" bIns="0" anchor="t" anchorCtr="0">
+            <a:spAutoFit/>
+          </a:bodyPr>
+          <a:lstStyle/>
+          <a:p>
+            <a:pPr marL="0" marR="8377" lvl="0" indent="0" algn="l" rtl="0">
+              <a:spcBef>
+                <a:spcPts val="0"/>
+              </a:spcBef>
+              <a:spcAft>
+                <a:spcPts val="0"/>
+              </a:spcAft>
+              <a:buNone/>
+            </a:pPr>
+            <a:r>
+              <a:rPr lang="ru-RU" sz="4400" b="1" dirty="0">
+                <a:solidFill>
+                  <a:srgbClr val="15B012"/>
+                </a:solidFill>
+                <a:latin typeface="Times New Roman"/>
+                <a:cs typeface="Times New Roman"/>
+                <a:sym typeface="Times New Roman"/>
+              </a:rPr>
+              <a:t>Результаты:</a:t>
+            </a:r>
+            <a:endParaRPr dirty="0"/>
+          </a:p>
+        </p:txBody>
+      </p:sp>
+      <p:sp>
+        <p:nvSpPr>
+          <p:cNvPr id="108" name="Google Shape;108;p6"/>
+          <p:cNvSpPr txBox="1"/>
+          <p:nvPr/>
+        </p:nvSpPr>
+        <p:spPr>
+          <a:xfrm>
+            <a:off x="1394601" y="2961589"/>
+            <a:ext cx="14538125" cy="1349664"/>
+          </a:xfrm>
+          <a:prstGeom prst="rect">
+            <a:avLst/>
+          </a:prstGeom>
+          <a:noFill/>
+          <a:ln>
+            <a:noFill/>
+          </a:ln>
+        </p:spPr>
+        <p:txBody>
+          <a:bodyPr spcFirstLastPara="1" wrap="square" lIns="0" tIns="19875" rIns="0" bIns="0" anchor="t" anchorCtr="0">
+            <a:spAutoFit/>
+          </a:bodyPr>
+          <a:lstStyle/>
+          <a:p>
+            <a:pPr marL="20942" marR="8377" lvl="0" indent="0" algn="l" rtl="0">
+              <a:lnSpc>
+                <a:spcPct val="120000"/>
+              </a:lnSpc>
+              <a:spcBef>
+                <a:spcPts val="0"/>
+              </a:spcBef>
+              <a:spcAft>
+                <a:spcPts val="0"/>
+              </a:spcAft>
+              <a:buNone/>
+            </a:pPr>
+            <a:r>
+              <a:rPr lang="ru-RU" sz="2400" b="0" i="0" u="none" strike="noStrike" cap="none" dirty="0">
+                <a:solidFill>
+                  <a:schemeClr val="dk1"/>
+                </a:solidFill>
+                <a:latin typeface="IBM Plex Mono"/>
+                <a:ea typeface="IBM Plex Mono"/>
+                <a:cs typeface="IBM Plex Mono"/>
+                <a:sym typeface="IBM Plex Mono"/>
+              </a:rPr>
+              <a:t>	</a:t>
+            </a:r>
+            <a:r>
+              <a:rPr lang="ru-RU" sz="2400" i="0" u="none" strike="noStrike" cap="none" dirty="0">
+                <a:solidFill>
+                  <a:schemeClr val="dk1"/>
+                </a:solidFill>
+                <a:latin typeface="Times New Roman"/>
+                <a:ea typeface="Times New Roman"/>
+                <a:cs typeface="Times New Roman"/>
+                <a:sym typeface="Times New Roman"/>
+              </a:rPr>
+              <a:t>По результатам обучения и </a:t>
+            </a:r>
+            <a:r>
+              <a:rPr lang="ru-RU" sz="2400" dirty="0">
+                <a:solidFill>
+                  <a:schemeClr val="dk1"/>
+                </a:solidFill>
+                <a:latin typeface="Times New Roman"/>
+                <a:ea typeface="Times New Roman"/>
+                <a:cs typeface="Times New Roman"/>
+                <a:sym typeface="Times New Roman"/>
+              </a:rPr>
+              <a:t>валидации на </a:t>
+            </a:r>
+            <a:r>
+              <a:rPr lang="ru-RU" sz="2400" i="0" u="none" strike="noStrike" cap="none" dirty="0">
+                <a:solidFill>
+                  <a:schemeClr val="dk1"/>
+                </a:solidFill>
+                <a:latin typeface="Times New Roman"/>
+                <a:ea typeface="Times New Roman"/>
+                <a:cs typeface="Times New Roman"/>
+                <a:sym typeface="Times New Roman"/>
+              </a:rPr>
+              <a:t>тестовых данных были получены следующие результаты.</a:t>
+            </a:r>
+            <a:endParaRPr lang="en-US" sz="2400" i="0" u="none" strike="noStrike" cap="none" dirty="0">
+              <a:solidFill>
+                <a:schemeClr val="dk1"/>
+              </a:solidFill>
+              <a:latin typeface="Times New Roman"/>
+              <a:ea typeface="Times New Roman"/>
+              <a:cs typeface="Times New Roman"/>
+              <a:sym typeface="Times New Roman"/>
+            </a:endParaRPr>
+          </a:p>
+          <a:p>
+            <a:pPr marL="20942" marR="8377" lvl="0" indent="0" algn="l" rtl="0">
+              <a:lnSpc>
+                <a:spcPct val="120000"/>
+              </a:lnSpc>
+              <a:spcBef>
+                <a:spcPts val="0"/>
+              </a:spcBef>
+              <a:spcAft>
+                <a:spcPts val="0"/>
+              </a:spcAft>
+              <a:buNone/>
+            </a:pPr>
+            <a:r>
+              <a:rPr lang="ru-RU" sz="2400" i="0" u="none" strike="noStrike" cap="none" dirty="0">
+                <a:solidFill>
+                  <a:schemeClr val="dk1"/>
+                </a:solidFill>
+                <a:latin typeface="Times New Roman"/>
+                <a:ea typeface="Times New Roman"/>
+                <a:cs typeface="Times New Roman"/>
+                <a:sym typeface="Times New Roman"/>
+              </a:rPr>
+              <a:t>При этом точность модели при проверке на тестовом наборе данных составила 83,33%.</a:t>
+            </a:r>
+          </a:p>
+          <a:p>
+            <a:pPr marL="20942" marR="8377" lvl="0" indent="0" algn="l" rtl="0">
+              <a:lnSpc>
+                <a:spcPct val="120000"/>
+              </a:lnSpc>
+              <a:spcBef>
+                <a:spcPts val="0"/>
+              </a:spcBef>
+              <a:spcAft>
+                <a:spcPts val="0"/>
+              </a:spcAft>
+              <a:buNone/>
+            </a:pPr>
+            <a:endParaRPr lang="ru-RU" sz="2400" i="0" u="none" strike="noStrike" cap="none" dirty="0">
+              <a:solidFill>
+                <a:schemeClr val="dk1"/>
+              </a:solidFill>
+              <a:latin typeface="Times New Roman"/>
+              <a:ea typeface="Times New Roman"/>
+              <a:cs typeface="Times New Roman"/>
+              <a:sym typeface="Times New Roman"/>
+            </a:endParaRPr>
+          </a:p>
+        </p:txBody>
+      </p:sp>
+      <p:pic>
+        <p:nvPicPr>
+          <p:cNvPr id="109" name="Google Shape;109;p6" descr="Изображение выглядит как черный, темнота&#10;&#10;Автоматически созданное описание"/>
+          <p:cNvPicPr preferRelativeResize="0"/>
+          <p:nvPr/>
+        </p:nvPicPr>
+        <p:blipFill rotWithShape="1">
+          <a:blip r:embed="rId4">
+            <a:alphaModFix/>
+          </a:blip>
+          <a:srcRect/>
+          <a:stretch/>
+        </p:blipFill>
+        <p:spPr>
+          <a:xfrm>
+            <a:off x="16502400" y="1159200"/>
+            <a:ext cx="2556000" cy="598834"/>
+          </a:xfrm>
+          <a:prstGeom prst="rect">
+            <a:avLst/>
+          </a:prstGeom>
+          <a:noFill/>
+          <a:ln>
+            <a:noFill/>
+          </a:ln>
+        </p:spPr>
+      </p:pic>
+      <p:sp>
+        <p:nvSpPr>
+          <p:cNvPr id="110" name="Google Shape;110;p6"/>
+          <p:cNvSpPr/>
+          <p:nvPr/>
+        </p:nvSpPr>
+        <p:spPr>
+          <a:xfrm>
+            <a:off x="679450" y="2225675"/>
+            <a:ext cx="15822950" cy="8305800"/>
+          </a:xfrm>
+          <a:prstGeom prst="roundRect">
+            <a:avLst>
+              <a:gd name="adj" fmla="val 16667"/>
+            </a:avLst>
+          </a:prstGeom>
+          <a:noFill/>
+          <a:ln w="9525" cap="flat" cmpd="sng">
+            <a:solidFill>
+              <a:srgbClr val="91A3B0"/>
+            </a:solidFill>
+            <a:prstDash val="solid"/>
+            <a:round/>
+            <a:headEnd type="none" w="sm" len="sm"/>
+            <a:tailEnd type="none" w="sm" len="sm"/>
+          </a:ln>
+        </p:spPr>
+        <p:txBody>
+          <a:bodyPr spcFirstLastPara="1" wrap="square" lIns="0" tIns="0" rIns="0" bIns="0" anchor="ctr" anchorCtr="0">
+            <a:noAutofit/>
+          </a:bodyPr>
+          <a:lstStyle/>
+          <a:p>
+            <a:pPr marL="0" marR="0" lvl="0" indent="0" algn="l" rtl="0">
+              <a:spcBef>
+                <a:spcPts val="0"/>
+              </a:spcBef>
+              <a:spcAft>
+                <a:spcPts val="0"/>
+              </a:spcAft>
+              <a:buNone/>
+            </a:pPr>
+            <a:endParaRPr sz="1800" b="0" i="0" u="none" strike="noStrike" cap="none">
+              <a:solidFill>
+                <a:schemeClr val="dk1"/>
+              </a:solidFill>
+              <a:latin typeface="Calibri"/>
+              <a:ea typeface="Calibri"/>
+              <a:cs typeface="Calibri"/>
+              <a:sym typeface="Calibri"/>
+            </a:endParaRPr>
+          </a:p>
+        </p:txBody>
+      </p:sp>
+      <p:pic>
+        <p:nvPicPr>
+          <p:cNvPr id="3" name="Рисунок 2">
+            <a:extLst>
+              <a:ext uri="{FF2B5EF4-FFF2-40B4-BE49-F238E27FC236}">
+                <a16:creationId xmlns:a16="http://schemas.microsoft.com/office/drawing/2014/main" id="{FC03F3AF-C989-AD5A-6DF7-C783E24E26A6}"/>
+              </a:ext>
+            </a:extLst>
+          </p:cNvPr>
+          <p:cNvPicPr>
+            <a:picLocks noChangeAspect="1"/>
+          </p:cNvPicPr>
+          <p:nvPr/>
+        </p:nvPicPr>
+        <p:blipFill>
+          <a:blip r:embed="rId5"/>
+          <a:stretch>
+            <a:fillRect/>
+          </a:stretch>
+        </p:blipFill>
+        <p:spPr>
+          <a:xfrm>
+            <a:off x="2637082" y="4298311"/>
+            <a:ext cx="5358395" cy="4160528"/>
+          </a:xfrm>
+          <a:prstGeom prst="rect">
+            <a:avLst/>
+          </a:prstGeom>
+        </p:spPr>
+      </p:pic>
+      <p:pic>
+        <p:nvPicPr>
+          <p:cNvPr id="5" name="Рисунок 4">
+            <a:extLst>
+              <a:ext uri="{FF2B5EF4-FFF2-40B4-BE49-F238E27FC236}">
+                <a16:creationId xmlns:a16="http://schemas.microsoft.com/office/drawing/2014/main" id="{6EC8A995-3C03-098C-376A-7CBFE4DF6A13}"/>
+              </a:ext>
+            </a:extLst>
+          </p:cNvPr>
+          <p:cNvPicPr>
+            <a:picLocks noChangeAspect="1"/>
+          </p:cNvPicPr>
+          <p:nvPr/>
+        </p:nvPicPr>
+        <p:blipFill>
+          <a:blip r:embed="rId6"/>
+          <a:stretch>
+            <a:fillRect/>
+          </a:stretch>
+        </p:blipFill>
+        <p:spPr>
+          <a:xfrm>
+            <a:off x="9292711" y="4311253"/>
+            <a:ext cx="5276098" cy="4160528"/>
+          </a:xfrm>
+          <a:prstGeom prst="rect">
+            <a:avLst/>
+          </a:prstGeom>
+        </p:spPr>
+      </p:pic>
+    </p:spTree>
+    <p:extLst>
+      <p:ext uri="{BB962C8B-B14F-4D97-AF65-F5344CB8AC3E}">
+        <p14:creationId xmlns:p14="http://schemas.microsoft.com/office/powerpoint/2010/main" val="373982717"/>
+      </p:ext>
+    </p:extLst>
+  </p:cSld>
+  <p:clrMapOvr>
+    <a:masterClrMapping/>
+  </p:clrMapOvr>
+</p:sld>
+</file>
+
+<file path=ppt/slides/slide12.xml><?xml version="1.0" encoding="utf-8"?>
+<p:sld xmlns:a="http://schemas.openxmlformats.org/drawingml/2006/main" xmlns:r="http://schemas.openxmlformats.org/officeDocument/2006/relationships" xmlns:p="http://schemas.openxmlformats.org/presentationml/2006/main">
+  <p:cSld>
+    <p:spTree>
+      <p:nvGrpSpPr>
         <p:cNvPr id="1" name="Shape 131"/>
         <p:cNvGrpSpPr/>
         <p:nvPr/>
@@ -9049,7 +11546,7 @@
                 <a:cs typeface="Times New Roman"/>
                 <a:sym typeface="Times New Roman"/>
               </a:rPr>
-              <a:t>верточной</a:t>
+              <a:t>вёрточной</a:t>
             </a:r>
             <a:r>
               <a:rPr lang="ru-RU" sz="3600" b="0" i="0" u="none" strike="noStrike" cap="none" dirty="0">
@@ -9124,7 +11621,7 @@
                 <a:cs typeface="Times New Roman"/>
                 <a:sym typeface="Times New Roman"/>
               </a:rPr>
-              <a:t>верточной</a:t>
+              <a:t>вёрточной</a:t>
             </a:r>
             <a:r>
               <a:rPr lang="ru-RU" sz="3600" b="0" i="0" u="none" strike="noStrike" cap="none" dirty="0">
@@ -9177,7 +11674,7 @@
 </p:sld>
 </file>
 
-<file path=ppt/slides/slide11.xml><?xml version="1.0" encoding="utf-8"?>
+<file path=ppt/slides/slide13.xml><?xml version="1.0" encoding="utf-8"?>
 <p:sld xmlns:a="http://schemas.openxmlformats.org/drawingml/2006/main" xmlns:r="http://schemas.openxmlformats.org/officeDocument/2006/relationships" xmlns:p="http://schemas.openxmlformats.org/presentationml/2006/main">
   <p:cSld>
     <p:spTree>
@@ -9380,7 +11877,7 @@
                 <a:cs typeface="Times New Roman"/>
                 <a:sym typeface="Times New Roman"/>
               </a:rPr>
-              <a:t>сверточной</a:t>
+              <a:t>свёрточной</a:t>
             </a:r>
             <a:r>
               <a:rPr lang="ru-RU" sz="3200" b="0" i="0" u="none" strike="noStrike" cap="none" dirty="0">
@@ -9392,7 +11889,7 @@
                 <a:cs typeface="Times New Roman"/>
                 <a:sym typeface="Times New Roman"/>
               </a:rPr>
-              <a:t> нейронной сети позволило автоматически извлекать важные признаки из больших объемов данных без необходимости ручного создания характеристик или функций для анализа. Это позволила упростить разработку и ускорить процесс обучения.</a:t>
+              <a:t> нейронной сети позволило автоматически извлекать важные признаки из больших объемов данных без необходимости ручного создания характеристик или функций для анализа. Это позволило упростить разработку и ускорить процесс обучения.</a:t>
             </a:r>
           </a:p>
           <a:p>
@@ -9450,7 +11947,7 @@
                 <a:cs typeface="Times New Roman"/>
                 <a:sym typeface="Times New Roman"/>
               </a:rPr>
-              <a:t>сверточные</a:t>
+              <a:t>свёрточные</a:t>
             </a:r>
             <a:r>
               <a:rPr lang="ru-RU" sz="3200" dirty="0">
@@ -9461,7 +11958,7 @@
                 <a:cs typeface="Times New Roman"/>
                 <a:sym typeface="Times New Roman"/>
               </a:rPr>
-              <a:t> нейронный сети имеют высокую точность, что позволило с хорошей вероятностью классифицировать объекты на изображение.</a:t>
+              <a:t> нейронные сети имеют высокую точность, что позволило с хорошей вероятностью классифицировать объекты на изображении.</a:t>
             </a:r>
           </a:p>
           <a:p>
@@ -9508,7 +12005,7 @@
                 <a:cs typeface="Times New Roman"/>
                 <a:sym typeface="Times New Roman"/>
               </a:rPr>
-              <a:t>Высокая скорость обучения позволить в будущем </a:t>
+              <a:t>Высокая скорость обучения позволит в будущем </a:t>
             </a:r>
             <a:r>
               <a:rPr lang="ru-RU" sz="3200" dirty="0" err="1">
@@ -9571,7 +12068,663 @@
 </p:sld>
 </file>
 
-<file path=ppt/slides/slide12.xml><?xml version="1.0" encoding="utf-8"?>
+<file path=ppt/slides/slide14.xml><?xml version="1.0" encoding="utf-8"?>
+<p:sld xmlns:a="http://schemas.openxmlformats.org/drawingml/2006/main" xmlns:r="http://schemas.openxmlformats.org/officeDocument/2006/relationships" xmlns:p="http://schemas.openxmlformats.org/presentationml/2006/main">
+  <p:cSld>
+    <p:spTree>
+      <p:nvGrpSpPr>
+        <p:cNvPr id="1" name="Shape 105"/>
+        <p:cNvGrpSpPr/>
+        <p:nvPr/>
+      </p:nvGrpSpPr>
+      <p:grpSpPr>
+        <a:xfrm>
+          <a:off x="0" y="0"/>
+          <a:ext cx="0" cy="0"/>
+          <a:chOff x="0" y="0"/>
+          <a:chExt cx="0" cy="0"/>
+        </a:xfrm>
+      </p:grpSpPr>
+      <p:pic>
+        <p:nvPicPr>
+          <p:cNvPr id="106" name="Google Shape;106;p6"/>
+          <p:cNvPicPr preferRelativeResize="0"/>
+          <p:nvPr/>
+        </p:nvPicPr>
+        <p:blipFill rotWithShape="1">
+          <a:blip r:embed="rId3">
+            <a:alphaModFix/>
+          </a:blip>
+          <a:srcRect/>
+          <a:stretch/>
+        </p:blipFill>
+        <p:spPr>
+          <a:xfrm>
+            <a:off x="0" y="2359"/>
+            <a:ext cx="20104100" cy="11304631"/>
+          </a:xfrm>
+          <a:prstGeom prst="rect">
+            <a:avLst/>
+          </a:prstGeom>
+          <a:noFill/>
+          <a:ln>
+            <a:noFill/>
+          </a:ln>
+        </p:spPr>
+      </p:pic>
+      <p:sp>
+        <p:nvSpPr>
+          <p:cNvPr id="107" name="Google Shape;107;p6"/>
+          <p:cNvSpPr txBox="1"/>
+          <p:nvPr/>
+        </p:nvSpPr>
+        <p:spPr>
+          <a:xfrm>
+            <a:off x="1558554" y="1048453"/>
+            <a:ext cx="14624079" cy="697198"/>
+          </a:xfrm>
+          <a:prstGeom prst="rect">
+            <a:avLst/>
+          </a:prstGeom>
+          <a:noFill/>
+          <a:ln>
+            <a:noFill/>
+          </a:ln>
+        </p:spPr>
+        <p:txBody>
+          <a:bodyPr spcFirstLastPara="1" wrap="square" lIns="0" tIns="19875" rIns="0" bIns="0" anchor="t" anchorCtr="0">
+            <a:spAutoFit/>
+          </a:bodyPr>
+          <a:lstStyle/>
+          <a:p>
+            <a:pPr marL="0" marR="8377" lvl="0" indent="0" algn="l" rtl="0">
+              <a:spcBef>
+                <a:spcPts val="0"/>
+              </a:spcBef>
+              <a:spcAft>
+                <a:spcPts val="0"/>
+              </a:spcAft>
+              <a:buNone/>
+            </a:pPr>
+            <a:r>
+              <a:rPr lang="ru-RU" sz="4400" b="1" i="0" u="none" strike="noStrike" cap="none" dirty="0">
+                <a:solidFill>
+                  <a:srgbClr val="15B012"/>
+                </a:solidFill>
+                <a:latin typeface="Times New Roman"/>
+                <a:ea typeface="Times New Roman"/>
+                <a:cs typeface="Times New Roman"/>
+                <a:sym typeface="Times New Roman"/>
+              </a:rPr>
+              <a:t>Существующие решения в области охраны труда</a:t>
+            </a:r>
+            <a:endParaRPr dirty="0"/>
+          </a:p>
+        </p:txBody>
+      </p:sp>
+      <p:sp>
+        <p:nvSpPr>
+          <p:cNvPr id="108" name="Google Shape;108;p6"/>
+          <p:cNvSpPr txBox="1"/>
+          <p:nvPr/>
+        </p:nvSpPr>
+        <p:spPr>
+          <a:xfrm>
+            <a:off x="1394602" y="2961589"/>
+            <a:ext cx="14392646" cy="5252271"/>
+          </a:xfrm>
+          <a:prstGeom prst="rect">
+            <a:avLst/>
+          </a:prstGeom>
+          <a:noFill/>
+          <a:ln>
+            <a:noFill/>
+          </a:ln>
+        </p:spPr>
+        <p:txBody>
+          <a:bodyPr spcFirstLastPara="1" wrap="square" lIns="0" tIns="19875" rIns="0" bIns="0" anchor="t" anchorCtr="0">
+            <a:spAutoFit/>
+          </a:bodyPr>
+          <a:lstStyle/>
+          <a:p>
+            <a:pPr marL="20942" marR="8377" lvl="0" indent="0" algn="l" rtl="0">
+              <a:lnSpc>
+                <a:spcPct val="120000"/>
+              </a:lnSpc>
+              <a:spcBef>
+                <a:spcPts val="0"/>
+              </a:spcBef>
+              <a:spcAft>
+                <a:spcPts val="0"/>
+              </a:spcAft>
+              <a:buNone/>
+            </a:pPr>
+            <a:r>
+              <a:rPr lang="ru-RU" sz="2400" b="0" i="0" u="none" strike="noStrike" cap="none" dirty="0">
+                <a:solidFill>
+                  <a:schemeClr val="dk1"/>
+                </a:solidFill>
+                <a:latin typeface="IBM Plex Mono"/>
+                <a:ea typeface="IBM Plex Mono"/>
+                <a:cs typeface="IBM Plex Mono"/>
+                <a:sym typeface="IBM Plex Mono"/>
+              </a:rPr>
+              <a:t>	</a:t>
+            </a:r>
+            <a:r>
+              <a:rPr lang="ru-RU" sz="2400" i="0" u="none" strike="noStrike" cap="none" dirty="0">
+                <a:solidFill>
+                  <a:schemeClr val="dk1"/>
+                </a:solidFill>
+                <a:latin typeface="Times New Roman"/>
+                <a:ea typeface="Times New Roman"/>
+                <a:cs typeface="Times New Roman"/>
+                <a:sym typeface="Times New Roman"/>
+              </a:rPr>
+              <a:t>В данный момент на рынке имеется множество предложений с возможностями обнаружения нарушений с области охраны труда. </a:t>
+            </a:r>
+          </a:p>
+          <a:p>
+            <a:pPr marL="20942" marR="8377" lvl="0" indent="0" algn="l" rtl="0">
+              <a:lnSpc>
+                <a:spcPct val="120000"/>
+              </a:lnSpc>
+              <a:spcBef>
+                <a:spcPts val="0"/>
+              </a:spcBef>
+              <a:spcAft>
+                <a:spcPts val="0"/>
+              </a:spcAft>
+              <a:buNone/>
+            </a:pPr>
+            <a:endParaRPr lang="ru-RU" sz="2400" i="0" u="none" strike="noStrike" cap="none" dirty="0">
+              <a:solidFill>
+                <a:schemeClr val="dk1"/>
+              </a:solidFill>
+              <a:latin typeface="Times New Roman"/>
+              <a:ea typeface="Times New Roman"/>
+              <a:cs typeface="Times New Roman"/>
+              <a:sym typeface="Times New Roman"/>
+            </a:endParaRPr>
+          </a:p>
+          <a:p>
+            <a:pPr marL="20942" marR="8377" lvl="0" indent="0" algn="l" rtl="0">
+              <a:lnSpc>
+                <a:spcPct val="120000"/>
+              </a:lnSpc>
+              <a:spcBef>
+                <a:spcPts val="0"/>
+              </a:spcBef>
+              <a:spcAft>
+                <a:spcPts val="0"/>
+              </a:spcAft>
+              <a:buNone/>
+            </a:pPr>
+            <a:r>
+              <a:rPr lang="ru-RU" sz="2400" i="0" u="none" strike="noStrike" cap="none" dirty="0">
+                <a:solidFill>
+                  <a:schemeClr val="dk1"/>
+                </a:solidFill>
+                <a:latin typeface="Times New Roman"/>
+                <a:ea typeface="Times New Roman"/>
+                <a:cs typeface="Times New Roman"/>
+                <a:sym typeface="Times New Roman"/>
+              </a:rPr>
+              <a:t>	Вот некоторые из них:</a:t>
+            </a:r>
+          </a:p>
+          <a:p>
+            <a:pPr marL="20942" marR="8377" lvl="0" indent="0" algn="l" rtl="0">
+              <a:lnSpc>
+                <a:spcPct val="120000"/>
+              </a:lnSpc>
+              <a:spcBef>
+                <a:spcPts val="0"/>
+              </a:spcBef>
+              <a:spcAft>
+                <a:spcPts val="0"/>
+              </a:spcAft>
+              <a:buNone/>
+            </a:pPr>
+            <a:r>
+              <a:rPr lang="ru-RU" sz="2400" b="0" i="0" u="none" strike="noStrike" cap="none" dirty="0">
+                <a:solidFill>
+                  <a:schemeClr val="dk1"/>
+                </a:solidFill>
+                <a:latin typeface="Times New Roman"/>
+                <a:ea typeface="Times New Roman"/>
+                <a:cs typeface="Times New Roman"/>
+                <a:sym typeface="Times New Roman"/>
+              </a:rPr>
+              <a:t>- </a:t>
+            </a:r>
+            <a:r>
+              <a:rPr lang="en-US" sz="2400" b="0" i="0" u="none" strike="noStrike" cap="none" dirty="0" err="1">
+                <a:solidFill>
+                  <a:schemeClr val="accent1">
+                    <a:lumMod val="75000"/>
+                  </a:schemeClr>
+                </a:solidFill>
+                <a:latin typeface="Times New Roman"/>
+                <a:ea typeface="Times New Roman"/>
+                <a:cs typeface="Times New Roman"/>
+                <a:sym typeface="Times New Roman"/>
+                <a:hlinkClick r:id="rId4">
+                  <a:extLst>
+                    <a:ext uri="{A12FA001-AC4F-418D-AE19-62706E023703}">
+                      <ahyp:hlinkClr xmlns:ahyp="http://schemas.microsoft.com/office/drawing/2018/hyperlinkcolor" val="tx"/>
+                    </a:ext>
+                  </a:extLst>
+                </a:hlinkClick>
+              </a:rPr>
+              <a:t>Xeoma</a:t>
+            </a:r>
+            <a:r>
+              <a:rPr lang="ru-RU" sz="2400" dirty="0">
+                <a:solidFill>
+                  <a:schemeClr val="accent1">
+                    <a:lumMod val="75000"/>
+                  </a:schemeClr>
+                </a:solidFill>
+                <a:latin typeface="Times New Roman"/>
+                <a:ea typeface="Times New Roman"/>
+                <a:cs typeface="Times New Roman"/>
+                <a:sym typeface="Times New Roman"/>
+              </a:rPr>
+              <a:t>;</a:t>
+            </a:r>
+            <a:endParaRPr lang="ru-RU" dirty="0">
+              <a:solidFill>
+                <a:schemeClr val="accent1">
+                  <a:lumMod val="75000"/>
+                </a:schemeClr>
+              </a:solidFill>
+            </a:endParaRPr>
+          </a:p>
+          <a:p>
+            <a:pPr marL="20942" marR="8377" lvl="0" indent="0" algn="l" rtl="0">
+              <a:spcBef>
+                <a:spcPts val="3000"/>
+              </a:spcBef>
+              <a:spcAft>
+                <a:spcPts val="0"/>
+              </a:spcAft>
+              <a:buNone/>
+            </a:pPr>
+            <a:r>
+              <a:rPr lang="ru-RU" sz="2400" b="0" i="0" u="none" strike="noStrike" cap="none" dirty="0">
+                <a:solidFill>
+                  <a:schemeClr val="dk1"/>
+                </a:solidFill>
+                <a:latin typeface="Times New Roman"/>
+                <a:ea typeface="Times New Roman"/>
+                <a:cs typeface="Times New Roman"/>
+                <a:sym typeface="Times New Roman"/>
+              </a:rPr>
+              <a:t>- </a:t>
+            </a:r>
+            <a:r>
+              <a:rPr lang="ru-RU" sz="2400" b="0" i="0" u="none" strike="noStrike" cap="none" dirty="0">
+                <a:solidFill>
+                  <a:schemeClr val="accent1">
+                    <a:lumMod val="75000"/>
+                  </a:schemeClr>
+                </a:solidFill>
+                <a:latin typeface="Times New Roman"/>
+                <a:ea typeface="Times New Roman"/>
+                <a:cs typeface="Times New Roman"/>
+                <a:sym typeface="Times New Roman"/>
+                <a:hlinkClick r:id="rId5">
+                  <a:extLst>
+                    <a:ext uri="{A12FA001-AC4F-418D-AE19-62706E023703}">
+                      <ahyp:hlinkClr xmlns:ahyp="http://schemas.microsoft.com/office/drawing/2018/hyperlinkcolor" val="tx"/>
+                    </a:ext>
+                  </a:extLst>
+                </a:hlinkClick>
+              </a:rPr>
+              <a:t>С</a:t>
+            </a:r>
+            <a:r>
+              <a:rPr lang="en-US" sz="2400" b="0" i="0" u="none" strike="noStrike" cap="none" dirty="0" err="1">
+                <a:solidFill>
+                  <a:schemeClr val="accent1">
+                    <a:lumMod val="75000"/>
+                  </a:schemeClr>
+                </a:solidFill>
+                <a:latin typeface="Times New Roman"/>
+                <a:ea typeface="Times New Roman"/>
+                <a:cs typeface="Times New Roman"/>
+                <a:sym typeface="Times New Roman"/>
+                <a:hlinkClick r:id="rId5">
+                  <a:extLst>
+                    <a:ext uri="{A12FA001-AC4F-418D-AE19-62706E023703}">
+                      <ahyp:hlinkClr xmlns:ahyp="http://schemas.microsoft.com/office/drawing/2018/hyperlinkcolor" val="tx"/>
+                    </a:ext>
+                  </a:extLst>
+                </a:hlinkClick>
+              </a:rPr>
+              <a:t>enterVision</a:t>
+            </a:r>
+            <a:r>
+              <a:rPr lang="ru-RU" sz="2400" dirty="0">
+                <a:solidFill>
+                  <a:schemeClr val="accent1">
+                    <a:lumMod val="75000"/>
+                  </a:schemeClr>
+                </a:solidFill>
+                <a:latin typeface="Times New Roman"/>
+                <a:ea typeface="Times New Roman"/>
+                <a:cs typeface="Times New Roman"/>
+                <a:sym typeface="Times New Roman"/>
+              </a:rPr>
+              <a:t>;</a:t>
+            </a:r>
+            <a:endParaRPr dirty="0">
+              <a:solidFill>
+                <a:schemeClr val="accent1">
+                  <a:lumMod val="75000"/>
+                </a:schemeClr>
+              </a:solidFill>
+            </a:endParaRPr>
+          </a:p>
+          <a:p>
+            <a:pPr marL="20942" marR="8377" lvl="0" indent="0" algn="l" rtl="0">
+              <a:spcBef>
+                <a:spcPts val="3000"/>
+              </a:spcBef>
+              <a:spcAft>
+                <a:spcPts val="0"/>
+              </a:spcAft>
+              <a:buNone/>
+            </a:pPr>
+            <a:r>
+              <a:rPr lang="ru-RU" sz="2400" b="0" i="0" u="none" strike="noStrike" cap="none" dirty="0">
+                <a:solidFill>
+                  <a:schemeClr val="dk1"/>
+                </a:solidFill>
+                <a:latin typeface="Times New Roman"/>
+                <a:ea typeface="Times New Roman"/>
+                <a:cs typeface="Times New Roman"/>
+                <a:sym typeface="Times New Roman"/>
+              </a:rPr>
+              <a:t>- </a:t>
+            </a:r>
+            <a:r>
+              <a:rPr lang="en-US" sz="2400" b="0" i="0" u="none" strike="noStrike" cap="none" dirty="0">
+                <a:solidFill>
+                  <a:schemeClr val="accent1">
+                    <a:lumMod val="75000"/>
+                  </a:schemeClr>
+                </a:solidFill>
+                <a:latin typeface="Times New Roman"/>
+                <a:ea typeface="Times New Roman"/>
+                <a:cs typeface="Times New Roman"/>
+                <a:sym typeface="Times New Roman"/>
+                <a:hlinkClick r:id="rId6">
+                  <a:extLst>
+                    <a:ext uri="{A12FA001-AC4F-418D-AE19-62706E023703}">
+                      <ahyp:hlinkClr xmlns:ahyp="http://schemas.microsoft.com/office/drawing/2018/hyperlinkcolor" val="tx"/>
+                    </a:ext>
+                  </a:extLst>
+                </a:hlinkClick>
+              </a:rPr>
+              <a:t>TRASSIR Hardhat Detector</a:t>
+            </a:r>
+            <a:r>
+              <a:rPr lang="ru-RU" sz="2400" b="0" i="0" u="none" strike="noStrike" cap="none" dirty="0">
+                <a:solidFill>
+                  <a:schemeClr val="accent1">
+                    <a:lumMod val="75000"/>
+                  </a:schemeClr>
+                </a:solidFill>
+                <a:latin typeface="Times New Roman"/>
+                <a:ea typeface="Times New Roman"/>
+                <a:cs typeface="Times New Roman"/>
+                <a:sym typeface="Times New Roman"/>
+              </a:rPr>
+              <a:t>; </a:t>
+            </a:r>
+          </a:p>
+          <a:p>
+            <a:pPr marL="20942" marR="8377" lvl="0" indent="0" algn="l" rtl="0">
+              <a:spcBef>
+                <a:spcPts val="3000"/>
+              </a:spcBef>
+              <a:spcAft>
+                <a:spcPts val="0"/>
+              </a:spcAft>
+              <a:buNone/>
+            </a:pPr>
+            <a:r>
+              <a:rPr lang="ru-RU" sz="2400" b="0" i="0" u="none" strike="noStrike" cap="none" dirty="0">
+                <a:solidFill>
+                  <a:schemeClr val="dk1"/>
+                </a:solidFill>
+                <a:latin typeface="Times New Roman"/>
+                <a:ea typeface="Times New Roman"/>
+                <a:cs typeface="Times New Roman"/>
+                <a:sym typeface="Times New Roman"/>
+              </a:rPr>
+              <a:t>- </a:t>
+            </a:r>
+            <a:r>
+              <a:rPr lang="en-US" sz="2400" b="0" i="0" u="none" strike="noStrike" cap="none" dirty="0" err="1">
+                <a:solidFill>
+                  <a:schemeClr val="accent1">
+                    <a:lumMod val="75000"/>
+                  </a:schemeClr>
+                </a:solidFill>
+                <a:latin typeface="Times New Roman"/>
+                <a:ea typeface="Times New Roman"/>
+                <a:cs typeface="Times New Roman"/>
+                <a:sym typeface="Times New Roman"/>
+                <a:hlinkClick r:id="rId7">
+                  <a:extLst>
+                    <a:ext uri="{A12FA001-AC4F-418D-AE19-62706E023703}">
+                      <ahyp:hlinkClr xmlns:ahyp="http://schemas.microsoft.com/office/drawing/2018/hyperlinkcolor" val="tx"/>
+                    </a:ext>
+                  </a:extLst>
+                </a:hlinkClick>
+              </a:rPr>
+              <a:t>SecurOS</a:t>
+            </a:r>
+            <a:r>
+              <a:rPr lang="en-US" sz="2400" b="0" i="0" u="none" strike="noStrike" cap="none" dirty="0">
+                <a:solidFill>
+                  <a:schemeClr val="accent1">
+                    <a:lumMod val="75000"/>
+                  </a:schemeClr>
+                </a:solidFill>
+                <a:latin typeface="Times New Roman"/>
+                <a:ea typeface="Times New Roman"/>
+                <a:cs typeface="Times New Roman"/>
+                <a:sym typeface="Times New Roman"/>
+                <a:hlinkClick r:id="rId7">
+                  <a:extLst>
+                    <a:ext uri="{A12FA001-AC4F-418D-AE19-62706E023703}">
+                      <ahyp:hlinkClr xmlns:ahyp="http://schemas.microsoft.com/office/drawing/2018/hyperlinkcolor" val="tx"/>
+                    </a:ext>
+                  </a:extLst>
+                </a:hlinkClick>
+              </a:rPr>
+              <a:t> Helmet Detector</a:t>
+            </a:r>
+            <a:r>
+              <a:rPr lang="ru-RU" sz="2400" b="0" i="0" u="none" strike="noStrike" cap="none" dirty="0">
+                <a:solidFill>
+                  <a:schemeClr val="accent1">
+                    <a:lumMod val="75000"/>
+                  </a:schemeClr>
+                </a:solidFill>
+                <a:latin typeface="Times New Roman"/>
+                <a:ea typeface="Times New Roman"/>
+                <a:cs typeface="Times New Roman"/>
+                <a:sym typeface="Times New Roman"/>
+              </a:rPr>
+              <a:t>;</a:t>
+            </a:r>
+          </a:p>
+          <a:p>
+            <a:pPr marL="20942" marR="8377" lvl="0" indent="0" algn="l" rtl="0">
+              <a:spcBef>
+                <a:spcPts val="3000"/>
+              </a:spcBef>
+              <a:spcAft>
+                <a:spcPts val="0"/>
+              </a:spcAft>
+              <a:buNone/>
+            </a:pPr>
+            <a:r>
+              <a:rPr lang="ru-RU" sz="2400" dirty="0">
+                <a:solidFill>
+                  <a:schemeClr val="accent1">
+                    <a:lumMod val="75000"/>
+                  </a:schemeClr>
+                </a:solidFill>
+                <a:latin typeface="Times New Roman"/>
+                <a:cs typeface="Times New Roman"/>
+                <a:sym typeface="Times New Roman"/>
+              </a:rPr>
+              <a:t>- </a:t>
+            </a:r>
+            <a:r>
+              <a:rPr lang="ru-RU" sz="2400" dirty="0">
+                <a:solidFill>
+                  <a:schemeClr val="accent1">
+                    <a:lumMod val="75000"/>
+                  </a:schemeClr>
+                </a:solidFill>
+                <a:latin typeface="Times New Roman"/>
+                <a:cs typeface="Times New Roman"/>
+                <a:sym typeface="Times New Roman"/>
+                <a:hlinkClick r:id="rId8">
+                  <a:extLst>
+                    <a:ext uri="{A12FA001-AC4F-418D-AE19-62706E023703}">
+                      <ahyp:hlinkClr xmlns:ahyp="http://schemas.microsoft.com/office/drawing/2018/hyperlinkcolor" val="tx"/>
+                    </a:ext>
+                  </a:extLst>
+                </a:hlinkClick>
+              </a:rPr>
+              <a:t>1С:Предприятие 8. Производственная безопасность</a:t>
+            </a:r>
+            <a:r>
+              <a:rPr lang="ru-RU" sz="2400" dirty="0">
+                <a:solidFill>
+                  <a:schemeClr val="accent1">
+                    <a:lumMod val="75000"/>
+                  </a:schemeClr>
+                </a:solidFill>
+                <a:latin typeface="Times New Roman"/>
+                <a:cs typeface="Times New Roman"/>
+                <a:sym typeface="Times New Roman"/>
+              </a:rPr>
+              <a:t>.</a:t>
+            </a:r>
+            <a:endParaRPr dirty="0">
+              <a:solidFill>
+                <a:schemeClr val="accent1">
+                  <a:lumMod val="75000"/>
+                </a:schemeClr>
+              </a:solidFill>
+            </a:endParaRPr>
+          </a:p>
+        </p:txBody>
+      </p:sp>
+      <p:pic>
+        <p:nvPicPr>
+          <p:cNvPr id="109" name="Google Shape;109;p6" descr="Изображение выглядит как черный, темнота&#10;&#10;Автоматически созданное описание"/>
+          <p:cNvPicPr preferRelativeResize="0"/>
+          <p:nvPr/>
+        </p:nvPicPr>
+        <p:blipFill rotWithShape="1">
+          <a:blip r:embed="rId9">
+            <a:alphaModFix/>
+          </a:blip>
+          <a:srcRect/>
+          <a:stretch/>
+        </p:blipFill>
+        <p:spPr>
+          <a:xfrm>
+            <a:off x="16502400" y="1159200"/>
+            <a:ext cx="2556000" cy="598834"/>
+          </a:xfrm>
+          <a:prstGeom prst="rect">
+            <a:avLst/>
+          </a:prstGeom>
+          <a:noFill/>
+          <a:ln>
+            <a:noFill/>
+          </a:ln>
+        </p:spPr>
+      </p:pic>
+      <p:sp>
+        <p:nvSpPr>
+          <p:cNvPr id="110" name="Google Shape;110;p6"/>
+          <p:cNvSpPr/>
+          <p:nvPr/>
+        </p:nvSpPr>
+        <p:spPr>
+          <a:xfrm>
+            <a:off x="679450" y="2225675"/>
+            <a:ext cx="15822950" cy="8305800"/>
+          </a:xfrm>
+          <a:prstGeom prst="roundRect">
+            <a:avLst>
+              <a:gd name="adj" fmla="val 16667"/>
+            </a:avLst>
+          </a:prstGeom>
+          <a:noFill/>
+          <a:ln w="9525" cap="flat" cmpd="sng">
+            <a:solidFill>
+              <a:srgbClr val="91A3B0"/>
+            </a:solidFill>
+            <a:prstDash val="solid"/>
+            <a:round/>
+            <a:headEnd type="none" w="sm" len="sm"/>
+            <a:tailEnd type="none" w="sm" len="sm"/>
+          </a:ln>
+        </p:spPr>
+        <p:txBody>
+          <a:bodyPr spcFirstLastPara="1" wrap="square" lIns="0" tIns="0" rIns="0" bIns="0" anchor="ctr" anchorCtr="0">
+            <a:noAutofit/>
+          </a:bodyPr>
+          <a:lstStyle/>
+          <a:p>
+            <a:pPr marL="0" marR="0" lvl="0" indent="0" algn="l" rtl="0">
+              <a:spcBef>
+                <a:spcPts val="0"/>
+              </a:spcBef>
+              <a:spcAft>
+                <a:spcPts val="0"/>
+              </a:spcAft>
+              <a:buNone/>
+            </a:pPr>
+            <a:endParaRPr sz="1800" b="0" i="0" u="none" strike="noStrike" cap="none">
+              <a:solidFill>
+                <a:schemeClr val="dk1"/>
+              </a:solidFill>
+              <a:latin typeface="Calibri"/>
+              <a:ea typeface="Calibri"/>
+              <a:cs typeface="Calibri"/>
+              <a:sym typeface="Calibri"/>
+            </a:endParaRPr>
+          </a:p>
+        </p:txBody>
+      </p:sp>
+    </p:spTree>
+    <p:extLst>
+      <p:ext uri="{BB962C8B-B14F-4D97-AF65-F5344CB8AC3E}">
+        <p14:creationId xmlns:p14="http://schemas.microsoft.com/office/powerpoint/2010/main" val="109209913"/>
+      </p:ext>
+    </p:extLst>
+  </p:cSld>
+  <p:clrMapOvr>
+    <a:masterClrMapping/>
+  </p:clrMapOvr>
+</p:sld>
+</file>
+
+<file path=ppt/slides/slide15.xml><?xml version="1.0" encoding="utf-8"?>
 <p:sld xmlns:a="http://schemas.openxmlformats.org/drawingml/2006/main" xmlns:r="http://schemas.openxmlformats.org/officeDocument/2006/relationships" xmlns:p="http://schemas.openxmlformats.org/presentationml/2006/main">
   <p:cSld>
     <p:spTree>
@@ -10107,7 +13260,7 @@
 </p:sld>
 </file>
 
-<file path=ppt/slides/slide13.xml><?xml version="1.0" encoding="utf-8"?>
+<file path=ppt/slides/slide16.xml><?xml version="1.0" encoding="utf-8"?>
 <p:sld xmlns:a="http://schemas.openxmlformats.org/drawingml/2006/main" xmlns:r="http://schemas.openxmlformats.org/officeDocument/2006/relationships" xmlns:p="http://schemas.openxmlformats.org/presentationml/2006/main">
   <p:cSld>
     <p:spTree>
@@ -10579,7 +13732,7 @@
                 <a:cs typeface="Times New Roman"/>
                 <a:sym typeface="Times New Roman"/>
               </a:rPr>
-              <a:t>помощью машинного обучения </a:t>
+              <a:t>машинного обучения </a:t>
             </a:r>
             <a:r>
               <a:rPr lang="ru-RU" sz="3200" b="0" i="0" u="none" strike="noStrike" cap="none" dirty="0">
@@ -10855,7 +14008,7 @@
               <a:buNone/>
             </a:pPr>
             <a:r>
-              <a:rPr lang="ru-RU" sz="4800" b="1" i="0" u="none" strike="noStrike" cap="none">
+              <a:rPr lang="ru-RU" sz="4800" b="1" i="0" u="none" strike="noStrike" cap="none" dirty="0">
                 <a:solidFill>
                   <a:srgbClr val="15B012"/>
                 </a:solidFill>
@@ -10864,9 +14017,9 @@
                 <a:cs typeface="Times New Roman"/>
                 <a:sym typeface="Times New Roman"/>
               </a:rPr>
-              <a:t>Объект изучения:</a:t>
-            </a:r>
-            <a:endParaRPr/>
+              <a:t>Объект исследования:</a:t>
+            </a:r>
+            <a:endParaRPr dirty="0"/>
           </a:p>
         </p:txBody>
       </p:sp>
@@ -11260,7 +14413,31 @@
                 <a:cs typeface="Times New Roman"/>
                 <a:sym typeface="Times New Roman"/>
               </a:rPr>
-              <a:t>Создание модели - </a:t>
+              <a:t>Создание модели </a:t>
+            </a:r>
+            <a:r>
+              <a:rPr lang="ru-RU" sz="3200" b="0" i="0" u="none" strike="noStrike" cap="none" dirty="0">
+                <a:solidFill>
+                  <a:schemeClr val="dk1"/>
+                </a:solidFill>
+                <a:latin typeface="Times New Roman"/>
+                <a:ea typeface="Times New Roman"/>
+                <a:cs typeface="Times New Roman"/>
+                <a:sym typeface="Times New Roman"/>
+              </a:rPr>
+              <a:t>—</a:t>
+            </a:r>
+            <a:r>
+              <a:rPr lang="ru-RU" sz="3200" b="1" i="0" u="none" strike="noStrike" cap="none" dirty="0">
+                <a:solidFill>
+                  <a:schemeClr val="dk1"/>
+                </a:solidFill>
+                <a:latin typeface="Times New Roman"/>
+                <a:ea typeface="Times New Roman"/>
+                <a:cs typeface="Times New Roman"/>
+                <a:sym typeface="Times New Roman"/>
+              </a:rPr>
+              <a:t> </a:t>
             </a:r>
             <a:r>
               <a:rPr lang="ru-RU" sz="3200" i="0" u="none" strike="noStrike" cap="none" dirty="0">
@@ -11314,15 +14491,18 @@
               <a:buFont typeface="Arial" panose="020B0604020202020204" pitchFamily="34" charset="0"/>
               <a:buChar char="•"/>
             </a:pPr>
-            <a:endParaRPr lang="ru-RU" sz="3200" i="0" u="none" strike="noStrike" cap="none" dirty="0">
-              <a:solidFill>
-                <a:schemeClr val="dk1"/>
-              </a:solidFill>
-              <a:latin typeface="Times New Roman"/>
-              <a:ea typeface="Times New Roman"/>
-              <a:cs typeface="Times New Roman"/>
-              <a:sym typeface="Times New Roman"/>
-            </a:endParaRPr>
+            <a:r>
+              <a:rPr lang="ru-RU" sz="3200" i="0" u="none" strike="noStrike" cap="none" dirty="0">
+                <a:solidFill>
+                  <a:schemeClr val="dk1"/>
+                </a:solidFill>
+                <a:latin typeface="Times New Roman"/>
+                <a:ea typeface="Times New Roman"/>
+                <a:cs typeface="Times New Roman"/>
+                <a:sym typeface="Times New Roman"/>
+              </a:rPr>
+              <a:t> </a:t>
+            </a:r>
           </a:p>
           <a:p>
             <a:pPr marL="457200" marR="0" lvl="0" indent="-457200" algn="l" rtl="0">
@@ -11427,7 +14607,7 @@
                 <a:cs typeface="Times New Roman"/>
                 <a:sym typeface="Times New Roman"/>
               </a:rPr>
-              <a:t>— Оценка производительности модели на проверочном наборе данных для определения точности и других метрик в зависимости от задачи.</a:t>
+              <a:t>— оценка производительности модели на проверочном наборе данных для определения точности и других метрик в зависимости от задачи.</a:t>
             </a:r>
             <a:endParaRPr dirty="0"/>
           </a:p>
@@ -11621,7 +14801,7 @@
                 <a:cs typeface="Times New Roman"/>
                 <a:sym typeface="Times New Roman"/>
               </a:rPr>
-              <a:t>Компьютерное зрение (Computer Vision) —это область искусственного интеллекта и информатики, которая занимается разработкой методов и технологий, позволяющих компьютерам интерпретировать, анализировать и понимать визуальные данные, такие как изображения и видео. </a:t>
+              <a:t>Компьютерное зрение (Computer Vision) — это область искусственного интеллекта и информатики, которая занимается разработкой методов и технологий, позволяющих компьютерам интерпретировать, анализировать и понимать визуальные данные, такие как изображения и видео. </a:t>
             </a:r>
           </a:p>
           <a:p>
@@ -12196,7 +15376,7 @@
                 <a:cs typeface="Times New Roman"/>
                 <a:sym typeface="Times New Roman"/>
               </a:rPr>
-              <a:t>верточная</a:t>
+              <a:t>вёрточная</a:t>
             </a:r>
             <a:r>
               <a:rPr lang="ru-RU" sz="4400" b="1" i="0" u="none" strike="noStrike" cap="none" dirty="0">
@@ -12273,7 +15453,7 @@
                 <a:cs typeface="Times New Roman"/>
                 <a:sym typeface="Times New Roman"/>
               </a:rPr>
-              <a:t>Сверточная</a:t>
+              <a:t>Свёрточная</a:t>
             </a:r>
             <a:r>
               <a:rPr lang="ru-RU" sz="2800" b="1" i="0" u="none" strike="noStrike" cap="none" dirty="0">
@@ -12372,7 +15552,7 @@
                 <a:cs typeface="Times New Roman"/>
                 <a:sym typeface="Times New Roman"/>
               </a:rPr>
-              <a:t>Сверточные</a:t>
+              <a:t>Свёрточные</a:t>
             </a:r>
             <a:r>
               <a:rPr lang="ru-RU" sz="2800" b="0" i="0" u="none" strike="noStrike" cap="none" dirty="0">
@@ -12593,7 +15773,7 @@
                 <a:cs typeface="Times New Roman"/>
                 <a:sym typeface="Times New Roman"/>
               </a:rPr>
-              <a:t>Сверточная</a:t>
+              <a:t>Свёрточная</a:t>
             </a:r>
             <a:r>
               <a:rPr lang="ru-RU" sz="4400" b="1" i="0" u="none" strike="noStrike" cap="none" dirty="0">
@@ -12670,7 +15850,7 @@
                 <a:cs typeface="Times New Roman"/>
                 <a:sym typeface="Times New Roman"/>
               </a:rPr>
-              <a:t>Сверточные</a:t>
+              <a:t>Свёрточные</a:t>
             </a:r>
             <a:r>
               <a:rPr lang="ru-RU" sz="2400" b="1" i="0" u="none" strike="noStrike" cap="none" dirty="0">
@@ -12729,7 +15909,7 @@
                 <a:cs typeface="Times New Roman"/>
                 <a:sym typeface="Times New Roman"/>
               </a:rPr>
-              <a:t>сверточной</a:t>
+              <a:t>свёрточной</a:t>
             </a:r>
             <a:r>
               <a:rPr lang="ru-RU" sz="2400" b="0" i="0" u="none" strike="noStrike" cap="none" dirty="0">
@@ -12991,7 +16171,7 @@
                 <a:cs typeface="Times New Roman"/>
                 <a:sym typeface="Times New Roman"/>
               </a:rPr>
-              <a:t>верточные</a:t>
+              <a:t>вёрточные</a:t>
             </a:r>
             <a:r>
               <a:rPr lang="ru-RU" sz="2400" b="0" i="0" u="none" strike="noStrike" cap="none" dirty="0">
@@ -13287,7 +16467,7 @@
             <a:r>
               <a:rPr lang="en-US" sz="2400" b="1" i="0" u="none" strike="noStrike" cap="none" dirty="0">
                 <a:solidFill>
-                  <a:srgbClr val="FFFFFF"/>
+                  <a:schemeClr val="bg1"/>
                 </a:solidFill>
                 <a:latin typeface="Times New Roman" panose="02020603050405020304" pitchFamily="18" charset="0"/>
                 <a:ea typeface="IBM Plex Mono"/>
@@ -13299,7 +16479,7 @@
             <a:r>
               <a:rPr lang="ru-RU" sz="2400" b="1" i="0" u="none" strike="noStrike" cap="none" dirty="0">
                 <a:solidFill>
-                  <a:srgbClr val="FFFFFF"/>
+                  <a:schemeClr val="bg1"/>
                 </a:solidFill>
                 <a:latin typeface="Times New Roman" panose="02020603050405020304" pitchFamily="18" charset="0"/>
                 <a:ea typeface="IBM Plex Mono"/>
@@ -13311,7 +16491,7 @@
             <a:r>
               <a:rPr lang="ru-RU" sz="2400" b="0" i="0" u="none" strike="noStrike" cap="none" dirty="0">
                 <a:solidFill>
-                  <a:srgbClr val="FFFFFF"/>
+                  <a:schemeClr val="bg1"/>
                 </a:solidFill>
                 <a:latin typeface="Times New Roman" panose="02020603050405020304" pitchFamily="18" charset="0"/>
                 <a:ea typeface="IBM Plex Mono"/>
@@ -13322,7 +16502,7 @@
             </a:r>
             <a:endParaRPr lang="en-US" sz="2400" b="0" i="0" u="none" strike="noStrike" cap="none" dirty="0">
               <a:solidFill>
-                <a:srgbClr val="FFFFFF"/>
+                <a:schemeClr val="bg1"/>
               </a:solidFill>
               <a:latin typeface="Times New Roman" panose="02020603050405020304" pitchFamily="18" charset="0"/>
               <a:ea typeface="IBM Plex Mono"/>
@@ -13343,7 +16523,7 @@
             <a:r>
               <a:rPr lang="ru-RU" sz="2400" dirty="0">
                 <a:solidFill>
-                  <a:srgbClr val="FFFFFF"/>
+                  <a:schemeClr val="bg1"/>
                 </a:solidFill>
                 <a:latin typeface="Times New Roman" panose="02020603050405020304" pitchFamily="18" charset="0"/>
                 <a:ea typeface="IBM Plex Mono"/>
@@ -13355,7 +16535,7 @@
             <a:r>
               <a:rPr lang="en-US" sz="2400" dirty="0">
                 <a:solidFill>
-                  <a:srgbClr val="FFFFFF"/>
+                  <a:schemeClr val="bg1"/>
                 </a:solidFill>
                 <a:latin typeface="Times New Roman" panose="02020603050405020304" pitchFamily="18" charset="0"/>
                 <a:ea typeface="IBM Plex Mono"/>
@@ -13367,7 +16547,7 @@
             <a:r>
               <a:rPr lang="ru-RU" sz="2400" b="0" i="0" u="none" strike="noStrike" cap="none" dirty="0" err="1">
                 <a:solidFill>
-                  <a:srgbClr val="FFFFFF"/>
+                  <a:schemeClr val="bg1"/>
                 </a:solidFill>
                 <a:latin typeface="Times New Roman" panose="02020603050405020304" pitchFamily="18" charset="0"/>
                 <a:ea typeface="IBM Plex Mono"/>
@@ -13379,7 +16559,7 @@
             <a:r>
               <a:rPr lang="ru-RU" sz="2400" b="0" i="0" u="none" strike="noStrike" cap="none" dirty="0">
                 <a:solidFill>
-                  <a:srgbClr val="FFFFFF"/>
+                  <a:schemeClr val="bg1"/>
                 </a:solidFill>
                 <a:latin typeface="Times New Roman" panose="02020603050405020304" pitchFamily="18" charset="0"/>
                 <a:ea typeface="IBM Plex Mono"/>
@@ -13391,7 +16571,7 @@
             <a:r>
               <a:rPr lang="en-US" sz="2400" b="0" i="0" u="none" strike="noStrike" cap="none" dirty="0">
                 <a:solidFill>
-                  <a:srgbClr val="FFFFFF"/>
+                  <a:schemeClr val="bg1"/>
                 </a:solidFill>
                 <a:latin typeface="Times New Roman" panose="02020603050405020304" pitchFamily="18" charset="0"/>
                 <a:ea typeface="IBM Plex Mono"/>
@@ -13402,7 +16582,7 @@
             </a:r>
             <a:endParaRPr sz="2400" b="0" i="0" u="none" strike="noStrike" cap="none" dirty="0">
               <a:solidFill>
-                <a:srgbClr val="FFFFFF"/>
+                <a:schemeClr val="bg1"/>
               </a:solidFill>
               <a:latin typeface="Times New Roman" panose="02020603050405020304" pitchFamily="18" charset="0"/>
               <a:ea typeface="IBM Plex Mono"/>
@@ -13428,7 +16608,7 @@
             <a:r>
               <a:rPr lang="ru-RU" sz="2400" i="0" u="none" strike="noStrike" cap="none" dirty="0">
                 <a:solidFill>
-                  <a:srgbClr val="FFFFFF"/>
+                  <a:schemeClr val="bg1"/>
                 </a:solidFill>
                 <a:latin typeface="Times New Roman"/>
                 <a:ea typeface="Times New Roman"/>
@@ -13440,7 +16620,7 @@
             <a:r>
               <a:rPr lang="en-US" sz="2400" dirty="0">
                 <a:solidFill>
-                  <a:srgbClr val="FFFFFF"/>
+                  <a:schemeClr val="bg1"/>
                 </a:solidFill>
                 <a:latin typeface="Times New Roman"/>
                 <a:ea typeface="Times New Roman"/>
@@ -13451,7 +16631,7 @@
             </a:r>
             <a:endParaRPr sz="2400" i="0" u="none" strike="noStrike" cap="none" dirty="0">
               <a:solidFill>
-                <a:srgbClr val="FFFFFF"/>
+                <a:schemeClr val="bg1"/>
               </a:solidFill>
               <a:latin typeface="Times New Roman"/>
               <a:ea typeface="Times New Roman"/>
@@ -13477,7 +16657,7 @@
             <a:r>
               <a:rPr lang="ru-RU" sz="2400" i="0" u="none" strike="noStrike" cap="none" dirty="0">
                 <a:solidFill>
-                  <a:srgbClr val="FFFFFF"/>
+                  <a:schemeClr val="bg1"/>
                 </a:solidFill>
                 <a:latin typeface="Times New Roman"/>
                 <a:ea typeface="Times New Roman"/>
@@ -13489,7 +16669,7 @@
             <a:r>
               <a:rPr lang="en-US" sz="2400" dirty="0">
                 <a:solidFill>
-                  <a:srgbClr val="FFFFFF"/>
+                  <a:schemeClr val="bg1"/>
                 </a:solidFill>
                 <a:latin typeface="Times New Roman"/>
                 <a:ea typeface="Times New Roman"/>
@@ -13500,7 +16680,7 @@
             </a:r>
             <a:endParaRPr sz="2400" i="0" u="none" strike="noStrike" cap="none" dirty="0">
               <a:solidFill>
-                <a:srgbClr val="FFFFFF"/>
+                <a:schemeClr val="bg1"/>
               </a:solidFill>
               <a:latin typeface="Times New Roman"/>
               <a:ea typeface="Times New Roman"/>
@@ -13526,7 +16706,7 @@
             <a:r>
               <a:rPr lang="ru-RU" sz="2400" i="0" u="none" strike="noStrike" cap="none" dirty="0">
                 <a:solidFill>
-                  <a:srgbClr val="FFFFFF"/>
+                  <a:schemeClr val="bg1"/>
                 </a:solidFill>
                 <a:latin typeface="Times New Roman"/>
                 <a:ea typeface="Times New Roman"/>
@@ -13538,7 +16718,7 @@
             <a:r>
               <a:rPr lang="en-US" sz="2400" dirty="0">
                 <a:solidFill>
-                  <a:srgbClr val="FFFFFF"/>
+                  <a:schemeClr val="bg1"/>
                 </a:solidFill>
                 <a:latin typeface="Times New Roman"/>
                 <a:ea typeface="Times New Roman"/>
@@ -13549,7 +16729,7 @@
             </a:r>
             <a:endParaRPr sz="2400" i="0" u="none" strike="noStrike" cap="none" dirty="0">
               <a:solidFill>
-                <a:srgbClr val="FFFFFF"/>
+                <a:schemeClr val="bg1"/>
               </a:solidFill>
               <a:latin typeface="Times New Roman"/>
               <a:ea typeface="Times New Roman"/>
@@ -13575,7 +16755,7 @@
             <a:r>
               <a:rPr lang="ru-RU" sz="2400" i="0" u="none" strike="noStrike" cap="none" dirty="0">
                 <a:solidFill>
-                  <a:srgbClr val="FFFFFF"/>
+                  <a:schemeClr val="bg1"/>
                 </a:solidFill>
                 <a:latin typeface="Times New Roman"/>
                 <a:ea typeface="Times New Roman"/>
@@ -13587,7 +16767,7 @@
             <a:r>
               <a:rPr lang="en-US" sz="2400" dirty="0">
                 <a:solidFill>
-                  <a:srgbClr val="FFFFFF"/>
+                  <a:schemeClr val="bg1"/>
                 </a:solidFill>
                 <a:latin typeface="Times New Roman"/>
                 <a:ea typeface="Times New Roman"/>
@@ -13596,7 +16776,11 @@
               </a:rPr>
               <a:t>;</a:t>
             </a:r>
-            <a:endParaRPr dirty="0"/>
+            <a:endParaRPr dirty="0">
+              <a:solidFill>
+                <a:schemeClr val="bg1"/>
+              </a:solidFill>
+            </a:endParaRPr>
           </a:p>
           <a:p>
             <a:pPr marL="363842" marR="8377" lvl="0" indent="-342900" algn="l" rtl="0">
@@ -13616,7 +16800,7 @@
             <a:r>
               <a:rPr lang="ru-RU" sz="2400" i="0" u="none" strike="noStrike" cap="none" dirty="0">
                 <a:solidFill>
-                  <a:srgbClr val="FFFFFF"/>
+                  <a:schemeClr val="bg1"/>
                 </a:solidFill>
                 <a:latin typeface="Times New Roman"/>
                 <a:ea typeface="Times New Roman"/>
@@ -13628,7 +16812,7 @@
             <a:r>
               <a:rPr lang="en-US" sz="2400" dirty="0">
                 <a:solidFill>
-                  <a:srgbClr val="FFFFFF"/>
+                  <a:schemeClr val="bg1"/>
                 </a:solidFill>
                 <a:latin typeface="Times New Roman"/>
                 <a:ea typeface="Times New Roman"/>
@@ -13639,7 +16823,7 @@
             </a:r>
             <a:endParaRPr sz="2400" i="0" u="none" strike="noStrike" cap="none" dirty="0">
               <a:solidFill>
-                <a:srgbClr val="FFFFFF"/>
+                <a:schemeClr val="bg1"/>
               </a:solidFill>
               <a:latin typeface="Times New Roman"/>
               <a:ea typeface="Times New Roman"/>
@@ -13665,7 +16849,7 @@
             <a:r>
               <a:rPr lang="ru-RU" sz="2400" i="0" u="none" strike="noStrike" cap="none" dirty="0">
                 <a:solidFill>
-                  <a:srgbClr val="FFFFFF"/>
+                  <a:schemeClr val="bg1"/>
                 </a:solidFill>
                 <a:latin typeface="Times New Roman"/>
                 <a:ea typeface="Times New Roman"/>
@@ -13677,7 +16861,7 @@
             <a:r>
               <a:rPr lang="en-US" sz="2400" dirty="0">
                 <a:solidFill>
-                  <a:srgbClr val="FFFFFF"/>
+                  <a:schemeClr val="bg1"/>
                 </a:solidFill>
                 <a:latin typeface="Times New Roman"/>
                 <a:ea typeface="Times New Roman"/>
@@ -13688,7 +16872,7 @@
             </a:r>
             <a:endParaRPr lang="en-US" sz="2400" i="0" u="none" strike="noStrike" cap="none" dirty="0">
               <a:solidFill>
-                <a:srgbClr val="FFFFFF"/>
+                <a:schemeClr val="bg1"/>
               </a:solidFill>
               <a:latin typeface="Times New Roman"/>
               <a:ea typeface="Times New Roman"/>
@@ -13714,7 +16898,7 @@
             <a:r>
               <a:rPr lang="ru-RU" sz="2400" i="0" u="none" strike="noStrike" cap="none" dirty="0">
                 <a:solidFill>
-                  <a:srgbClr val="FFFFFF"/>
+                  <a:schemeClr val="bg1"/>
                 </a:solidFill>
                 <a:latin typeface="Times New Roman"/>
                 <a:ea typeface="Times New Roman"/>
@@ -13726,7 +16910,7 @@
             <a:r>
               <a:rPr lang="en-US" sz="2400" dirty="0">
                 <a:solidFill>
-                  <a:srgbClr val="FFFFFF"/>
+                  <a:schemeClr val="bg1"/>
                 </a:solidFill>
                 <a:latin typeface="Times New Roman"/>
                 <a:ea typeface="Times New Roman"/>
@@ -13737,7 +16921,7 @@
             </a:r>
             <a:endParaRPr sz="2400" i="0" u="none" strike="noStrike" cap="none" dirty="0">
               <a:solidFill>
-                <a:srgbClr val="FFFFFF"/>
+                <a:schemeClr val="bg1"/>
               </a:solidFill>
               <a:latin typeface="Times New Roman"/>
               <a:ea typeface="Times New Roman"/>
@@ -13870,7 +17054,7 @@
                 <a:cs typeface="Times New Roman"/>
                 <a:sym typeface="Times New Roman"/>
               </a:rPr>
-              <a:t>Сверточная</a:t>
+              <a:t>Свёрточная</a:t>
             </a:r>
             <a:r>
               <a:rPr lang="ru-RU" sz="4400" b="1" i="0" u="none" strike="noStrike" cap="none" dirty="0">
@@ -13959,7 +17143,7 @@
                 <a:cs typeface="Times New Roman"/>
                 <a:sym typeface="Times New Roman"/>
               </a:rPr>
-              <a:t>Сверточные</a:t>
+              <a:t>Свёрточные</a:t>
             </a:r>
             <a:r>
               <a:rPr lang="ru-RU" sz="2400" b="1" i="0" u="none" strike="noStrike" cap="none" dirty="0">
@@ -14045,7 +17229,7 @@
                 <a:cs typeface="Times New Roman"/>
                 <a:sym typeface="Times New Roman"/>
               </a:rPr>
-              <a:t>сверточной</a:t>
+              <a:t>свёрточной</a:t>
             </a:r>
             <a:r>
               <a:rPr lang="ru-RU" sz="2400" b="0" i="0" u="none" strike="noStrike" cap="none" dirty="0">
@@ -14274,7 +17458,7 @@
                 <a:cs typeface="Times New Roman"/>
                 <a:sym typeface="Times New Roman"/>
               </a:rPr>
-              <a:t>сверточных</a:t>
+              <a:t>свёрточных</a:t>
             </a:r>
             <a:r>
               <a:rPr lang="ru-RU" sz="2400" dirty="0">
@@ -14474,7 +17658,7 @@
                 <a:cs typeface="Times New Roman"/>
                 <a:sym typeface="Times New Roman"/>
               </a:rPr>
-              <a:t>Существующие решения в области охраны труда</a:t>
+              <a:t>Сбор данных</a:t>
             </a:r>
             <a:endParaRPr dirty="0"/>
           </a:p>
@@ -14488,8 +17672,8 @@
         </p:nvSpPr>
         <p:spPr>
           <a:xfrm>
-            <a:off x="1394602" y="2961589"/>
-            <a:ext cx="14392646" cy="5252271"/>
+            <a:off x="1394602" y="2899419"/>
+            <a:ext cx="14392646" cy="1792862"/>
           </a:xfrm>
           <a:prstGeom prst="rect">
             <a:avLst/>
@@ -14539,7 +17723,79 @@
                 <a:cs typeface="Times New Roman"/>
                 <a:sym typeface="Times New Roman"/>
               </a:rPr>
-              <a:t>В данным момент на рынке имеется множество предложений с возможностями обнаружения нарушений с области охраны труда. </a:t>
+              <a:t>Для тренировки </a:t>
+            </a:r>
+            <a:r>
+              <a:rPr lang="ru-RU" sz="2400" i="0" u="none" strike="noStrike" cap="none" dirty="0" err="1">
+                <a:solidFill>
+                  <a:schemeClr val="dk1"/>
+                </a:solidFill>
+                <a:latin typeface="Times New Roman"/>
+                <a:ea typeface="Times New Roman"/>
+                <a:cs typeface="Times New Roman"/>
+                <a:sym typeface="Times New Roman"/>
+              </a:rPr>
+              <a:t>предобученной</a:t>
+            </a:r>
+            <a:r>
+              <a:rPr lang="ru-RU" sz="2400" i="0" u="none" strike="noStrike" cap="none" dirty="0">
+                <a:solidFill>
+                  <a:schemeClr val="dk1"/>
+                </a:solidFill>
+                <a:latin typeface="Times New Roman"/>
+                <a:ea typeface="Times New Roman"/>
+                <a:cs typeface="Times New Roman"/>
+                <a:sym typeface="Times New Roman"/>
+              </a:rPr>
+              <a:t> модели </a:t>
+            </a:r>
+            <a:r>
+              <a:rPr lang="ru-RU" sz="2400" i="0" u="none" strike="noStrike" cap="none" dirty="0" err="1">
+                <a:solidFill>
+                  <a:schemeClr val="dk1"/>
+                </a:solidFill>
+                <a:latin typeface="Times New Roman"/>
+                <a:ea typeface="Times New Roman"/>
+                <a:cs typeface="Times New Roman"/>
+                <a:sym typeface="Times New Roman"/>
+              </a:rPr>
+              <a:t>свёрточной</a:t>
+            </a:r>
+            <a:r>
+              <a:rPr lang="ru-RU" sz="2400" i="0" u="none" strike="noStrike" cap="none" dirty="0">
+                <a:solidFill>
+                  <a:schemeClr val="dk1"/>
+                </a:solidFill>
+                <a:latin typeface="Times New Roman"/>
+                <a:ea typeface="Times New Roman"/>
+                <a:cs typeface="Times New Roman"/>
+                <a:sym typeface="Times New Roman"/>
+              </a:rPr>
+              <a:t> нейронной сети был собран </a:t>
+            </a:r>
+            <a:r>
+              <a:rPr lang="ru-RU" sz="2400" i="0" u="none" strike="noStrike" cap="none" dirty="0" err="1">
+                <a:solidFill>
+                  <a:schemeClr val="dk1"/>
+                </a:solidFill>
+                <a:latin typeface="Times New Roman"/>
+                <a:ea typeface="Times New Roman"/>
+                <a:cs typeface="Times New Roman"/>
+                <a:sym typeface="Times New Roman"/>
+              </a:rPr>
+              <a:t>датасет</a:t>
+            </a:r>
+            <a:r>
+              <a:rPr lang="ru-RU" sz="2400" i="0" u="none" strike="noStrike" cap="none" dirty="0">
+                <a:solidFill>
+                  <a:schemeClr val="dk1"/>
+                </a:solidFill>
+                <a:latin typeface="Times New Roman"/>
+                <a:ea typeface="Times New Roman"/>
+                <a:cs typeface="Times New Roman"/>
+                <a:sym typeface="Times New Roman"/>
+              </a:rPr>
+              <a:t> с изображением защитной каски и без него.</a:t>
             </a:r>
           </a:p>
           <a:p>
@@ -14588,355 +17844,7 @@
                 <a:cs typeface="Times New Roman"/>
                 <a:sym typeface="Times New Roman"/>
               </a:rPr>
-              <a:t>	Вот некоторые из них:</a:t>
-            </a:r>
-          </a:p>
-          <a:p>
-            <a:pPr marL="20942" marR="8377" lvl="0" indent="0" algn="l" rtl="0">
-              <a:lnSpc>
-                <a:spcPct val="120000"/>
-              </a:lnSpc>
-              <a:spcBef>
-                <a:spcPts val="0"/>
-              </a:spcBef>
-              <a:spcAft>
-                <a:spcPts val="0"/>
-              </a:spcAft>
-              <a:buNone/>
-            </a:pPr>
-            <a:r>
-              <a:rPr lang="ru-RU" sz="2400" b="0" i="0" u="none" strike="noStrike" cap="none" dirty="0">
-                <a:solidFill>
-                  <a:schemeClr val="dk1"/>
-                </a:solidFill>
-                <a:latin typeface="Times New Roman"/>
-                <a:ea typeface="Times New Roman"/>
-                <a:cs typeface="Times New Roman"/>
-                <a:sym typeface="Times New Roman"/>
-              </a:rPr>
-              <a:t>- </a:t>
-            </a:r>
-            <a:r>
-              <a:rPr lang="en-US" sz="2400" b="0" i="0" u="none" strike="noStrike" cap="none" dirty="0" err="1">
-                <a:solidFill>
-                  <a:schemeClr val="accent1">
-                    <a:lumMod val="75000"/>
-                  </a:schemeClr>
-                </a:solidFill>
-                <a:latin typeface="Times New Roman"/>
-                <a:ea typeface="Times New Roman"/>
-                <a:cs typeface="Times New Roman"/>
-                <a:sym typeface="Times New Roman"/>
-                <a:hlinkClick r:id="rId4">
-                  <a:extLst>
-                    <a:ext uri="{A12FA001-AC4F-418D-AE19-62706E023703}">
-                      <ahyp:hlinkClr xmlns:ahyp="http://schemas.microsoft.com/office/drawing/2018/hyperlinkcolor" val="tx"/>
-                    </a:ext>
-                  </a:extLst>
-                </a:hlinkClick>
-              </a:rPr>
-              <a:t>Xeoma</a:t>
-            </a:r>
-            <a:r>
-              <a:rPr lang="ru-RU" sz="2400" dirty="0">
-                <a:solidFill>
-                  <a:schemeClr val="accent1">
-                    <a:lumMod val="75000"/>
-                  </a:schemeClr>
-                </a:solidFill>
-                <a:latin typeface="Times New Roman"/>
-                <a:ea typeface="Times New Roman"/>
-                <a:cs typeface="Times New Roman"/>
-                <a:sym typeface="Times New Roman"/>
-              </a:rPr>
-              <a:t>;</a:t>
-            </a:r>
-            <a:endParaRPr lang="ru-RU" dirty="0">
-              <a:solidFill>
-                <a:schemeClr val="accent1">
-                  <a:lumMod val="75000"/>
-                </a:schemeClr>
-              </a:solidFill>
-            </a:endParaRPr>
-          </a:p>
-          <a:p>
-            <a:pPr marL="20942" marR="8377" lvl="0" indent="0" algn="l" rtl="0">
-              <a:spcBef>
-                <a:spcPts val="3000"/>
-              </a:spcBef>
-              <a:spcAft>
-                <a:spcPts val="0"/>
-              </a:spcAft>
-              <a:buNone/>
-            </a:pPr>
-            <a:r>
-              <a:rPr lang="ru-RU" sz="2400" b="0" i="0" u="none" strike="noStrike" cap="none" dirty="0">
-                <a:solidFill>
-                  <a:schemeClr val="dk1"/>
-                </a:solidFill>
-                <a:latin typeface="Times New Roman"/>
-                <a:ea typeface="Times New Roman"/>
-                <a:cs typeface="Times New Roman"/>
-                <a:sym typeface="Times New Roman"/>
-              </a:rPr>
-              <a:t>- </a:t>
-            </a:r>
-            <a:r>
-              <a:rPr lang="ru-RU" sz="2400" b="0" i="0" u="none" strike="noStrike" cap="none" dirty="0">
-                <a:solidFill>
-                  <a:schemeClr val="accent1">
-                    <a:lumMod val="75000"/>
-                  </a:schemeClr>
-                </a:solidFill>
-                <a:latin typeface="Times New Roman"/>
-                <a:ea typeface="Times New Roman"/>
-                <a:cs typeface="Times New Roman"/>
-                <a:sym typeface="Times New Roman"/>
-                <a:hlinkClick r:id="rId5">
-                  <a:extLst>
-                    <a:ext uri="{A12FA001-AC4F-418D-AE19-62706E023703}">
-                      <ahyp:hlinkClr xmlns:ahyp="http://schemas.microsoft.com/office/drawing/2018/hyperlinkcolor" val="tx"/>
-                    </a:ext>
-                  </a:extLst>
-                </a:hlinkClick>
-              </a:rPr>
-              <a:t>С</a:t>
-            </a:r>
-            <a:r>
-              <a:rPr lang="en-US" sz="2400" b="0" i="0" u="none" strike="noStrike" cap="none" dirty="0" err="1">
-                <a:solidFill>
-                  <a:schemeClr val="accent1">
-                    <a:lumMod val="75000"/>
-                  </a:schemeClr>
-                </a:solidFill>
-                <a:latin typeface="Times New Roman"/>
-                <a:ea typeface="Times New Roman"/>
-                <a:cs typeface="Times New Roman"/>
-                <a:sym typeface="Times New Roman"/>
-                <a:hlinkClick r:id="rId5">
-                  <a:extLst>
-                    <a:ext uri="{A12FA001-AC4F-418D-AE19-62706E023703}">
-                      <ahyp:hlinkClr xmlns:ahyp="http://schemas.microsoft.com/office/drawing/2018/hyperlinkcolor" val="tx"/>
-                    </a:ext>
-                  </a:extLst>
-                </a:hlinkClick>
-              </a:rPr>
-              <a:t>enterVision</a:t>
-            </a:r>
-            <a:r>
-              <a:rPr lang="ru-RU" sz="2400" dirty="0">
-                <a:solidFill>
-                  <a:schemeClr val="accent1">
-                    <a:lumMod val="75000"/>
-                  </a:schemeClr>
-                </a:solidFill>
-                <a:latin typeface="Times New Roman"/>
-                <a:ea typeface="Times New Roman"/>
-                <a:cs typeface="Times New Roman"/>
-                <a:sym typeface="Times New Roman"/>
-              </a:rPr>
-              <a:t>;</a:t>
-            </a:r>
-            <a:endParaRPr dirty="0">
-              <a:solidFill>
-                <a:schemeClr val="accent1">
-                  <a:lumMod val="75000"/>
-                </a:schemeClr>
-              </a:solidFill>
-            </a:endParaRPr>
-          </a:p>
-          <a:p>
-            <a:pPr marL="20942" marR="8377" lvl="0" indent="0" algn="l" rtl="0">
-              <a:spcBef>
-                <a:spcPts val="3000"/>
-              </a:spcBef>
-              <a:spcAft>
-                <a:spcPts val="0"/>
-              </a:spcAft>
-              <a:buNone/>
-            </a:pPr>
-            <a:r>
-              <a:rPr lang="ru-RU" sz="2400" b="0" i="0" u="none" strike="noStrike" cap="none" dirty="0">
-                <a:solidFill>
-                  <a:schemeClr val="dk1"/>
-                </a:solidFill>
-                <a:latin typeface="Times New Roman"/>
-                <a:ea typeface="Times New Roman"/>
-                <a:cs typeface="Times New Roman"/>
-                <a:sym typeface="Times New Roman"/>
-              </a:rPr>
-              <a:t>- </a:t>
-            </a:r>
-            <a:r>
-              <a:rPr lang="en-US" sz="2400" b="0" i="0" u="none" strike="noStrike" cap="none" dirty="0">
-                <a:solidFill>
-                  <a:schemeClr val="accent1">
-                    <a:lumMod val="75000"/>
-                  </a:schemeClr>
-                </a:solidFill>
-                <a:latin typeface="Times New Roman"/>
-                <a:ea typeface="Times New Roman"/>
-                <a:cs typeface="Times New Roman"/>
-                <a:sym typeface="Times New Roman"/>
-                <a:hlinkClick r:id="rId6">
-                  <a:extLst>
-                    <a:ext uri="{A12FA001-AC4F-418D-AE19-62706E023703}">
-                      <ahyp:hlinkClr xmlns:ahyp="http://schemas.microsoft.com/office/drawing/2018/hyperlinkcolor" val="tx"/>
-                    </a:ext>
-                  </a:extLst>
-                </a:hlinkClick>
-              </a:rPr>
-              <a:t>TRASSIR Hardhat Detector</a:t>
-            </a:r>
-            <a:r>
-              <a:rPr lang="ru-RU" sz="2400" b="0" i="0" u="none" strike="noStrike" cap="none" dirty="0">
-                <a:solidFill>
-                  <a:schemeClr val="accent1">
-                    <a:lumMod val="75000"/>
-                  </a:schemeClr>
-                </a:solidFill>
-                <a:latin typeface="Times New Roman"/>
-                <a:ea typeface="Times New Roman"/>
-                <a:cs typeface="Times New Roman"/>
-                <a:sym typeface="Times New Roman"/>
-              </a:rPr>
-              <a:t>; </a:t>
-            </a:r>
-          </a:p>
-          <a:p>
-            <a:pPr marL="20942" marR="8377" lvl="0" indent="0" algn="l" rtl="0">
-              <a:spcBef>
-                <a:spcPts val="3000"/>
-              </a:spcBef>
-              <a:spcAft>
-                <a:spcPts val="0"/>
-              </a:spcAft>
-              <a:buNone/>
-            </a:pPr>
-            <a:r>
-              <a:rPr lang="ru-RU" sz="2400" b="0" i="0" u="none" strike="noStrike" cap="none" dirty="0">
-                <a:solidFill>
-                  <a:schemeClr val="dk1"/>
-                </a:solidFill>
-                <a:latin typeface="Times New Roman"/>
-                <a:ea typeface="Times New Roman"/>
-                <a:cs typeface="Times New Roman"/>
-                <a:sym typeface="Times New Roman"/>
-              </a:rPr>
-              <a:t>- </a:t>
-            </a:r>
-            <a:r>
-              <a:rPr lang="en-US" sz="2400" b="0" i="0" u="none" strike="noStrike" cap="none" dirty="0" err="1">
-                <a:solidFill>
-                  <a:schemeClr val="accent1">
-                    <a:lumMod val="75000"/>
-                  </a:schemeClr>
-                </a:solidFill>
-                <a:latin typeface="Times New Roman"/>
-                <a:ea typeface="Times New Roman"/>
-                <a:cs typeface="Times New Roman"/>
-                <a:sym typeface="Times New Roman"/>
-                <a:hlinkClick r:id="rId7">
-                  <a:extLst>
-                    <a:ext uri="{A12FA001-AC4F-418D-AE19-62706E023703}">
-                      <ahyp:hlinkClr xmlns:ahyp="http://schemas.microsoft.com/office/drawing/2018/hyperlinkcolor" val="tx"/>
-                    </a:ext>
-                  </a:extLst>
-                </a:hlinkClick>
-              </a:rPr>
-              <a:t>SecurOS</a:t>
-            </a:r>
-            <a:r>
-              <a:rPr lang="en-US" sz="2400" b="0" i="0" u="none" strike="noStrike" cap="none" dirty="0">
-                <a:solidFill>
-                  <a:schemeClr val="accent1">
-                    <a:lumMod val="75000"/>
-                  </a:schemeClr>
-                </a:solidFill>
-                <a:latin typeface="Times New Roman"/>
-                <a:ea typeface="Times New Roman"/>
-                <a:cs typeface="Times New Roman"/>
-                <a:sym typeface="Times New Roman"/>
-                <a:hlinkClick r:id="rId7">
-                  <a:extLst>
-                    <a:ext uri="{A12FA001-AC4F-418D-AE19-62706E023703}">
-                      <ahyp:hlinkClr xmlns:ahyp="http://schemas.microsoft.com/office/drawing/2018/hyperlinkcolor" val="tx"/>
-                    </a:ext>
-                  </a:extLst>
-                </a:hlinkClick>
-              </a:rPr>
-              <a:t> Helmet Detector</a:t>
-            </a:r>
-            <a:r>
-              <a:rPr lang="ru-RU" sz="2400" b="0" i="0" u="none" strike="noStrike" cap="none" dirty="0">
-                <a:solidFill>
-                  <a:schemeClr val="accent1">
-                    <a:lumMod val="75000"/>
-                  </a:schemeClr>
-                </a:solidFill>
-                <a:latin typeface="Times New Roman"/>
-                <a:ea typeface="Times New Roman"/>
-                <a:cs typeface="Times New Roman"/>
-                <a:sym typeface="Times New Roman"/>
-              </a:rPr>
-              <a:t>;</a:t>
-            </a:r>
-          </a:p>
-          <a:p>
-            <a:pPr marL="20942" marR="8377" lvl="0" indent="0" algn="l" rtl="0">
-              <a:spcBef>
-                <a:spcPts val="3000"/>
-              </a:spcBef>
-              <a:spcAft>
-                <a:spcPts val="0"/>
-              </a:spcAft>
-              <a:buNone/>
-            </a:pPr>
-            <a:r>
-              <a:rPr lang="ru-RU" sz="2400" dirty="0">
-                <a:solidFill>
-                  <a:schemeClr val="accent1">
-                    <a:lumMod val="75000"/>
-                  </a:schemeClr>
-                </a:solidFill>
-                <a:latin typeface="Times New Roman"/>
-                <a:cs typeface="Times New Roman"/>
-                <a:sym typeface="Times New Roman"/>
-              </a:rPr>
-              <a:t>- </a:t>
-            </a:r>
-            <a:r>
-              <a:rPr lang="ru-RU" sz="2400" dirty="0">
-                <a:solidFill>
-                  <a:schemeClr val="accent1">
-                    <a:lumMod val="75000"/>
-                  </a:schemeClr>
-                </a:solidFill>
-                <a:latin typeface="Times New Roman"/>
-                <a:cs typeface="Times New Roman"/>
-                <a:sym typeface="Times New Roman"/>
-                <a:hlinkClick r:id="rId8">
-                  <a:extLst>
-                    <a:ext uri="{A12FA001-AC4F-418D-AE19-62706E023703}">
-                      <ahyp:hlinkClr xmlns:ahyp="http://schemas.microsoft.com/office/drawing/2018/hyperlinkcolor" val="tx"/>
-                    </a:ext>
-                  </a:extLst>
-                </a:hlinkClick>
-              </a:rPr>
-              <a:t>1С:Предприятие 8. Производственная безопасность</a:t>
-            </a:r>
-            <a:r>
-              <a:rPr lang="ru-RU" sz="2400" dirty="0">
-                <a:solidFill>
-                  <a:schemeClr val="accent1">
-                    <a:lumMod val="75000"/>
-                  </a:schemeClr>
-                </a:solidFill>
-                <a:latin typeface="Times New Roman"/>
-                <a:cs typeface="Times New Roman"/>
-                <a:sym typeface="Times New Roman"/>
-              </a:rPr>
-              <a:t>.</a:t>
+              <a:t>	</a:t>
             </a:r>
             <a:endParaRPr dirty="0">
               <a:solidFill>
@@ -14955,7 +17863,7 @@
           <p:nvPr/>
         </p:nvPicPr>
         <p:blipFill rotWithShape="1">
-          <a:blip r:embed="rId9">
+          <a:blip r:embed="rId4">
             <a:alphaModFix/>
           </a:blip>
           <a:srcRect/>
@@ -15029,10 +17937,70 @@
           </a:p>
         </p:txBody>
       </p:sp>
+      <p:pic>
+        <p:nvPicPr>
+          <p:cNvPr id="3" name="Рисунок 2">
+            <a:extLst>
+              <a:ext uri="{FF2B5EF4-FFF2-40B4-BE49-F238E27FC236}">
+                <a16:creationId xmlns:a16="http://schemas.microsoft.com/office/drawing/2014/main" id="{40983C0A-AA0D-5992-59A5-BD442171E410}"/>
+              </a:ext>
+            </a:extLst>
+          </p:cNvPr>
+          <p:cNvPicPr>
+            <a:picLocks noChangeAspect="1"/>
+          </p:cNvPicPr>
+          <p:nvPr/>
+        </p:nvPicPr>
+        <p:blipFill>
+          <a:blip r:embed="rId5"/>
+          <a:stretch>
+            <a:fillRect/>
+          </a:stretch>
+        </p:blipFill>
+        <p:spPr>
+          <a:xfrm>
+            <a:off x="1279022" y="4187519"/>
+            <a:ext cx="7421011" cy="4382112"/>
+          </a:xfrm>
+          <a:prstGeom prst="rect">
+            <a:avLst/>
+          </a:prstGeom>
+        </p:spPr>
+      </p:pic>
+      <p:pic>
+        <p:nvPicPr>
+          <p:cNvPr id="5" name="Рисунок 4">
+            <a:extLst>
+              <a:ext uri="{FF2B5EF4-FFF2-40B4-BE49-F238E27FC236}">
+                <a16:creationId xmlns:a16="http://schemas.microsoft.com/office/drawing/2014/main" id="{469BF3FC-47D3-50E2-2230-292202E3C439}"/>
+              </a:ext>
+            </a:extLst>
+          </p:cNvPr>
+          <p:cNvPicPr>
+            <a:picLocks noChangeAspect="1"/>
+          </p:cNvPicPr>
+          <p:nvPr/>
+        </p:nvPicPr>
+        <p:blipFill>
+          <a:blip r:embed="rId6"/>
+          <a:stretch>
+            <a:fillRect/>
+          </a:stretch>
+        </p:blipFill>
+        <p:spPr>
+          <a:xfrm>
+            <a:off x="9299605" y="4187519"/>
+            <a:ext cx="5925377" cy="4553585"/>
+          </a:xfrm>
+          <a:prstGeom prst="rect">
+            <a:avLst/>
+          </a:prstGeom>
+        </p:spPr>
+      </p:pic>
     </p:spTree>
     <p:extLst>
       <p:ext uri="{BB962C8B-B14F-4D97-AF65-F5344CB8AC3E}">
-        <p14:creationId xmlns:p14="http://schemas.microsoft.com/office/powerpoint/2010/main" val="109209913"/>
+        <p14:creationId xmlns:p14="http://schemas.microsoft.com/office/powerpoint/2010/main" val="2596659176"/>
       </p:ext>
     </p:extLst>
   </p:cSld>
